--- a/talks/Domingue-mx5.pptx
+++ b/talks/Domingue-mx5.pptx
@@ -5,34 +5,38 @@
     <p:sldMasterId id="2147483648" r:id="rId1"/>
   </p:sldMasterIdLst>
   <p:notesMasterIdLst>
-    <p:notesMasterId r:id="rId27"/>
+    <p:notesMasterId r:id="rId31"/>
   </p:notesMasterIdLst>
   <p:sldIdLst>
     <p:sldId id="270" r:id="rId2"/>
     <p:sldId id="271" r:id="rId3"/>
-    <p:sldId id="272" r:id="rId4"/>
-    <p:sldId id="273" r:id="rId5"/>
-    <p:sldId id="274" r:id="rId6"/>
-    <p:sldId id="277" r:id="rId7"/>
-    <p:sldId id="278" r:id="rId8"/>
-    <p:sldId id="292" r:id="rId9"/>
-    <p:sldId id="293" r:id="rId10"/>
-    <p:sldId id="279" r:id="rId11"/>
-    <p:sldId id="280" r:id="rId12"/>
-    <p:sldId id="281" r:id="rId13"/>
-    <p:sldId id="282" r:id="rId14"/>
-    <p:sldId id="283" r:id="rId15"/>
-    <p:sldId id="285" r:id="rId16"/>
-    <p:sldId id="288" r:id="rId17"/>
-    <p:sldId id="289" r:id="rId18"/>
-    <p:sldId id="284" r:id="rId19"/>
-    <p:sldId id="286" r:id="rId20"/>
-    <p:sldId id="290" r:id="rId21"/>
-    <p:sldId id="294" r:id="rId22"/>
-    <p:sldId id="291" r:id="rId23"/>
-    <p:sldId id="287" r:id="rId24"/>
-    <p:sldId id="275" r:id="rId25"/>
-    <p:sldId id="276" r:id="rId26"/>
+    <p:sldId id="274" r:id="rId4"/>
+    <p:sldId id="277" r:id="rId5"/>
+    <p:sldId id="278" r:id="rId6"/>
+    <p:sldId id="292" r:id="rId7"/>
+    <p:sldId id="293" r:id="rId8"/>
+    <p:sldId id="295" r:id="rId9"/>
+    <p:sldId id="297" r:id="rId10"/>
+    <p:sldId id="296" r:id="rId11"/>
+    <p:sldId id="298" r:id="rId12"/>
+    <p:sldId id="299" r:id="rId13"/>
+    <p:sldId id="300" r:id="rId14"/>
+    <p:sldId id="301" r:id="rId15"/>
+    <p:sldId id="279" r:id="rId16"/>
+    <p:sldId id="280" r:id="rId17"/>
+    <p:sldId id="281" r:id="rId18"/>
+    <p:sldId id="282" r:id="rId19"/>
+    <p:sldId id="283" r:id="rId20"/>
+    <p:sldId id="285" r:id="rId21"/>
+    <p:sldId id="288" r:id="rId22"/>
+    <p:sldId id="289" r:id="rId23"/>
+    <p:sldId id="284" r:id="rId24"/>
+    <p:sldId id="286" r:id="rId25"/>
+    <p:sldId id="290" r:id="rId26"/>
+    <p:sldId id="294" r:id="rId27"/>
+    <p:sldId id="291" r:id="rId28"/>
+    <p:sldId id="287" r:id="rId29"/>
+    <p:sldId id="275" r:id="rId30"/>
   </p:sldIdLst>
   <p:sldSz cx="9144000" cy="6858000" type="screen4x3"/>
   <p:notesSz cx="6858000" cy="9144000"/>
@@ -1124,6 +1128,418 @@
       <dsp:cNvGrpSpPr/>
     </dsp:nvGrpSpPr>
     <dsp:grpSpPr/>
+    <dsp:sp modelId="{1FB489B3-E877-7547-B7C1-F16715B79E35}">
+      <dsp:nvSpPr>
+        <dsp:cNvPr id="0" name=""/>
+        <dsp:cNvSpPr/>
+      </dsp:nvSpPr>
+      <dsp:spPr>
+        <a:xfrm>
+          <a:off x="5873621" y="1519071"/>
+          <a:ext cx="2042914" cy="2087552"/>
+        </a:xfrm>
+        <a:prstGeom prst="ellipse">
+          <a:avLst/>
+        </a:prstGeom>
+        <a:gradFill rotWithShape="0">
+          <a:gsLst>
+            <a:gs pos="0">
+              <a:schemeClr val="accent1">
+                <a:hueOff val="0"/>
+                <a:satOff val="0"/>
+                <a:lumOff val="0"/>
+                <a:alphaOff val="0"/>
+                <a:shade val="51000"/>
+                <a:satMod val="130000"/>
+              </a:schemeClr>
+            </a:gs>
+            <a:gs pos="80000">
+              <a:schemeClr val="accent1">
+                <a:hueOff val="0"/>
+                <a:satOff val="0"/>
+                <a:lumOff val="0"/>
+                <a:alphaOff val="0"/>
+                <a:shade val="93000"/>
+                <a:satMod val="130000"/>
+              </a:schemeClr>
+            </a:gs>
+            <a:gs pos="100000">
+              <a:schemeClr val="accent1">
+                <a:hueOff val="0"/>
+                <a:satOff val="0"/>
+                <a:lumOff val="0"/>
+                <a:alphaOff val="0"/>
+                <a:shade val="94000"/>
+                <a:satMod val="135000"/>
+              </a:schemeClr>
+            </a:gs>
+          </a:gsLst>
+          <a:lin ang="16200000" scaled="0"/>
+        </a:gradFill>
+        <a:ln>
+          <a:noFill/>
+        </a:ln>
+        <a:effectLst>
+          <a:outerShdw blurRad="40000" dist="23000" dir="5400000" rotWithShape="0">
+            <a:srgbClr val="000000">
+              <a:alpha val="35000"/>
+            </a:srgbClr>
+          </a:outerShdw>
+        </a:effectLst>
+      </dsp:spPr>
+      <dsp:style>
+        <a:lnRef idx="0">
+          <a:scrgbClr r="0" g="0" b="0"/>
+        </a:lnRef>
+        <a:fillRef idx="3">
+          <a:scrgbClr r="0" g="0" b="0"/>
+        </a:fillRef>
+        <a:effectRef idx="2">
+          <a:scrgbClr r="0" g="0" b="0"/>
+        </a:effectRef>
+        <a:fontRef idx="minor">
+          <a:schemeClr val="lt1"/>
+        </a:fontRef>
+      </dsp:style>
+      <dsp:txBody>
+        <a:bodyPr spcFirstLastPara="0" vert="horz" wrap="square" lIns="44450" tIns="44450" rIns="44450" bIns="44450" numCol="1" spcCol="1270" anchor="ctr" anchorCtr="0">
+          <a:noAutofit/>
+        </a:bodyPr>
+        <a:lstStyle/>
+        <a:p>
+          <a:pPr lvl="0" algn="ctr" defTabSz="1555750" rtl="0">
+            <a:lnSpc>
+              <a:spcPct val="90000"/>
+            </a:lnSpc>
+            <a:spcBef>
+              <a:spcPct val="0"/>
+            </a:spcBef>
+            <a:spcAft>
+              <a:spcPct val="35000"/>
+            </a:spcAft>
+          </a:pPr>
+          <a:r>
+            <a:rPr lang="en-US" sz="3500" kern="1200" dirty="0" smtClean="0"/>
+            <a:t>Biology</a:t>
+          </a:r>
+          <a:endParaRPr lang="en-US" sz="3500" kern="1200" dirty="0"/>
+        </a:p>
+      </dsp:txBody>
+      <dsp:txXfrm>
+        <a:off x="6172799" y="1824786"/>
+        <a:ext cx="1444558" cy="1476122"/>
+      </dsp:txXfrm>
+    </dsp:sp>
+    <dsp:sp modelId="{9FE60F8F-322A-5542-AAA9-2A8F0C250B2C}">
+      <dsp:nvSpPr>
+        <dsp:cNvPr id="0" name=""/>
+        <dsp:cNvSpPr/>
+      </dsp:nvSpPr>
+      <dsp:spPr>
+        <a:xfrm rot="10800000">
+          <a:off x="3296084" y="3007849"/>
+          <a:ext cx="2395051" cy="1109368"/>
+        </a:xfrm>
+        <a:prstGeom prst="rightArrow">
+          <a:avLst>
+            <a:gd name="adj1" fmla="val 60000"/>
+            <a:gd name="adj2" fmla="val 50000"/>
+          </a:avLst>
+        </a:prstGeom>
+        <a:gradFill rotWithShape="0">
+          <a:gsLst>
+            <a:gs pos="0">
+              <a:schemeClr val="accent1">
+                <a:tint val="60000"/>
+                <a:hueOff val="0"/>
+                <a:satOff val="0"/>
+                <a:lumOff val="0"/>
+                <a:alphaOff val="0"/>
+                <a:shade val="51000"/>
+                <a:satMod val="130000"/>
+              </a:schemeClr>
+            </a:gs>
+            <a:gs pos="80000">
+              <a:schemeClr val="accent1">
+                <a:tint val="60000"/>
+                <a:hueOff val="0"/>
+                <a:satOff val="0"/>
+                <a:lumOff val="0"/>
+                <a:alphaOff val="0"/>
+                <a:shade val="93000"/>
+                <a:satMod val="130000"/>
+              </a:schemeClr>
+            </a:gs>
+            <a:gs pos="100000">
+              <a:schemeClr val="accent1">
+                <a:tint val="60000"/>
+                <a:hueOff val="0"/>
+                <a:satOff val="0"/>
+                <a:lumOff val="0"/>
+                <a:alphaOff val="0"/>
+                <a:shade val="94000"/>
+                <a:satMod val="135000"/>
+              </a:schemeClr>
+            </a:gs>
+          </a:gsLst>
+          <a:lin ang="16200000" scaled="0"/>
+        </a:gradFill>
+        <a:ln>
+          <a:noFill/>
+        </a:ln>
+        <a:effectLst>
+          <a:outerShdw blurRad="40000" dist="23000" dir="5400000" rotWithShape="0">
+            <a:srgbClr val="000000">
+              <a:alpha val="35000"/>
+            </a:srgbClr>
+          </a:outerShdw>
+        </a:effectLst>
+      </dsp:spPr>
+      <dsp:style>
+        <a:lnRef idx="0">
+          <a:scrgbClr r="0" g="0" b="0"/>
+        </a:lnRef>
+        <a:fillRef idx="3">
+          <a:scrgbClr r="0" g="0" b="0"/>
+        </a:fillRef>
+        <a:effectRef idx="2">
+          <a:scrgbClr r="0" g="0" b="0"/>
+        </a:effectRef>
+        <a:fontRef idx="minor">
+          <a:schemeClr val="lt1"/>
+        </a:fontRef>
+      </dsp:style>
+      <dsp:txBody>
+        <a:bodyPr spcFirstLastPara="0" vert="horz" wrap="square" lIns="0" tIns="0" rIns="0" bIns="0" numCol="1" spcCol="1270" anchor="ctr" anchorCtr="0">
+          <a:noAutofit/>
+        </a:bodyPr>
+        <a:lstStyle/>
+        <a:p>
+          <a:pPr lvl="0" algn="ctr" defTabSz="1244600">
+            <a:lnSpc>
+              <a:spcPct val="90000"/>
+            </a:lnSpc>
+            <a:spcBef>
+              <a:spcPct val="0"/>
+            </a:spcBef>
+            <a:spcAft>
+              <a:spcPct val="35000"/>
+            </a:spcAft>
+          </a:pPr>
+          <a:endParaRPr lang="en-US" sz="2800" kern="1200"/>
+        </a:p>
+      </dsp:txBody>
+      <dsp:txXfrm rot="10800000">
+        <a:off x="3628894" y="3229723"/>
+        <a:ext cx="2062241" cy="665620"/>
+      </dsp:txXfrm>
+    </dsp:sp>
+    <dsp:sp modelId="{7B4D093F-F30A-7243-AAD5-6F8098F3C12E}">
+      <dsp:nvSpPr>
+        <dsp:cNvPr id="0" name=""/>
+        <dsp:cNvSpPr/>
+      </dsp:nvSpPr>
+      <dsp:spPr>
+        <a:xfrm>
+          <a:off x="935116" y="1519071"/>
+          <a:ext cx="2042914" cy="2087552"/>
+        </a:xfrm>
+        <a:prstGeom prst="ellipse">
+          <a:avLst/>
+        </a:prstGeom>
+        <a:gradFill rotWithShape="0">
+          <a:gsLst>
+            <a:gs pos="0">
+              <a:schemeClr val="accent1">
+                <a:hueOff val="0"/>
+                <a:satOff val="0"/>
+                <a:lumOff val="0"/>
+                <a:alphaOff val="0"/>
+                <a:shade val="51000"/>
+                <a:satMod val="130000"/>
+              </a:schemeClr>
+            </a:gs>
+            <a:gs pos="80000">
+              <a:schemeClr val="accent1">
+                <a:hueOff val="0"/>
+                <a:satOff val="0"/>
+                <a:lumOff val="0"/>
+                <a:alphaOff val="0"/>
+                <a:shade val="93000"/>
+                <a:satMod val="130000"/>
+              </a:schemeClr>
+            </a:gs>
+            <a:gs pos="100000">
+              <a:schemeClr val="accent1">
+                <a:hueOff val="0"/>
+                <a:satOff val="0"/>
+                <a:lumOff val="0"/>
+                <a:alphaOff val="0"/>
+                <a:shade val="94000"/>
+                <a:satMod val="135000"/>
+              </a:schemeClr>
+            </a:gs>
+          </a:gsLst>
+          <a:lin ang="16200000" scaled="0"/>
+        </a:gradFill>
+        <a:ln>
+          <a:noFill/>
+        </a:ln>
+        <a:effectLst>
+          <a:outerShdw blurRad="40000" dist="23000" dir="5400000" rotWithShape="0">
+            <a:srgbClr val="000000">
+              <a:alpha val="35000"/>
+            </a:srgbClr>
+          </a:outerShdw>
+        </a:effectLst>
+      </dsp:spPr>
+      <dsp:style>
+        <a:lnRef idx="0">
+          <a:scrgbClr r="0" g="0" b="0"/>
+        </a:lnRef>
+        <a:fillRef idx="3">
+          <a:scrgbClr r="0" g="0" b="0"/>
+        </a:fillRef>
+        <a:effectRef idx="2">
+          <a:scrgbClr r="0" g="0" b="0"/>
+        </a:effectRef>
+        <a:fontRef idx="minor">
+          <a:schemeClr val="lt1"/>
+        </a:fontRef>
+      </dsp:style>
+      <dsp:txBody>
+        <a:bodyPr spcFirstLastPara="0" vert="horz" wrap="square" lIns="44450" tIns="44450" rIns="44450" bIns="44450" numCol="1" spcCol="1270" anchor="ctr" anchorCtr="0">
+          <a:noAutofit/>
+        </a:bodyPr>
+        <a:lstStyle/>
+        <a:p>
+          <a:pPr lvl="0" algn="ctr" defTabSz="1555750">
+            <a:lnSpc>
+              <a:spcPct val="90000"/>
+            </a:lnSpc>
+            <a:spcBef>
+              <a:spcPct val="0"/>
+            </a:spcBef>
+            <a:spcAft>
+              <a:spcPct val="35000"/>
+            </a:spcAft>
+          </a:pPr>
+          <a:r>
+            <a:rPr lang="en-US" sz="3500" kern="1200" dirty="0" smtClean="0"/>
+            <a:t>Society</a:t>
+          </a:r>
+          <a:endParaRPr lang="en-US" sz="3500" kern="1200" dirty="0"/>
+        </a:p>
+      </dsp:txBody>
+      <dsp:txXfrm>
+        <a:off x="1234294" y="1824786"/>
+        <a:ext cx="1444558" cy="1476122"/>
+      </dsp:txXfrm>
+    </dsp:sp>
+    <dsp:sp modelId="{4A5A3EB8-F005-8B49-ABD0-98CB3B1A083A}">
+      <dsp:nvSpPr>
+        <dsp:cNvPr id="0" name=""/>
+        <dsp:cNvSpPr/>
+      </dsp:nvSpPr>
+      <dsp:spPr>
+        <a:xfrm>
+          <a:off x="3160515" y="1008478"/>
+          <a:ext cx="2395051" cy="1109368"/>
+        </a:xfrm>
+        <a:prstGeom prst="rightArrow">
+          <a:avLst>
+            <a:gd name="adj1" fmla="val 60000"/>
+            <a:gd name="adj2" fmla="val 50000"/>
+          </a:avLst>
+        </a:prstGeom>
+        <a:gradFill rotWithShape="0">
+          <a:gsLst>
+            <a:gs pos="0">
+              <a:schemeClr val="accent1">
+                <a:tint val="60000"/>
+                <a:hueOff val="0"/>
+                <a:satOff val="0"/>
+                <a:lumOff val="0"/>
+                <a:alphaOff val="0"/>
+                <a:shade val="51000"/>
+                <a:satMod val="130000"/>
+              </a:schemeClr>
+            </a:gs>
+            <a:gs pos="80000">
+              <a:schemeClr val="accent1">
+                <a:tint val="60000"/>
+                <a:hueOff val="0"/>
+                <a:satOff val="0"/>
+                <a:lumOff val="0"/>
+                <a:alphaOff val="0"/>
+                <a:shade val="93000"/>
+                <a:satMod val="130000"/>
+              </a:schemeClr>
+            </a:gs>
+            <a:gs pos="100000">
+              <a:schemeClr val="accent1">
+                <a:tint val="60000"/>
+                <a:hueOff val="0"/>
+                <a:satOff val="0"/>
+                <a:lumOff val="0"/>
+                <a:alphaOff val="0"/>
+                <a:shade val="94000"/>
+                <a:satMod val="135000"/>
+              </a:schemeClr>
+            </a:gs>
+          </a:gsLst>
+          <a:lin ang="16200000" scaled="0"/>
+        </a:gradFill>
+        <a:ln>
+          <a:noFill/>
+        </a:ln>
+        <a:effectLst>
+          <a:outerShdw blurRad="40000" dist="23000" dir="5400000" rotWithShape="0">
+            <a:srgbClr val="000000">
+              <a:alpha val="35000"/>
+            </a:srgbClr>
+          </a:outerShdw>
+        </a:effectLst>
+      </dsp:spPr>
+      <dsp:style>
+        <a:lnRef idx="0">
+          <a:scrgbClr r="0" g="0" b="0"/>
+        </a:lnRef>
+        <a:fillRef idx="3">
+          <a:scrgbClr r="0" g="0" b="0"/>
+        </a:fillRef>
+        <a:effectRef idx="2">
+          <a:scrgbClr r="0" g="0" b="0"/>
+        </a:effectRef>
+        <a:fontRef idx="minor">
+          <a:schemeClr val="lt1"/>
+        </a:fontRef>
+      </dsp:style>
+      <dsp:txBody>
+        <a:bodyPr spcFirstLastPara="0" vert="horz" wrap="square" lIns="0" tIns="0" rIns="0" bIns="0" numCol="1" spcCol="1270" anchor="ctr" anchorCtr="0">
+          <a:noAutofit/>
+        </a:bodyPr>
+        <a:lstStyle/>
+        <a:p>
+          <a:pPr lvl="0" algn="ctr" defTabSz="1244600">
+            <a:lnSpc>
+              <a:spcPct val="90000"/>
+            </a:lnSpc>
+            <a:spcBef>
+              <a:spcPct val="0"/>
+            </a:spcBef>
+            <a:spcAft>
+              <a:spcPct val="35000"/>
+            </a:spcAft>
+          </a:pPr>
+          <a:endParaRPr lang="en-US" sz="2800" kern="1200"/>
+        </a:p>
+      </dsp:txBody>
+      <dsp:txXfrm>
+        <a:off x="3160515" y="1230352"/>
+        <a:ext cx="2062241" cy="665620"/>
+      </dsp:txXfrm>
+    </dsp:sp>
   </dsp:spTree>
 </dsp:drawing>
 </file>
@@ -2456,7 +2872,7 @@
             <a:fld id="{9C0CCC27-1E7F-484C-8AB6-B20001086278}" type="datetimeFigureOut">
               <a:rPr lang="en-US" smtClean="0"/>
               <a:pPr/>
-              <a:t>6/8/2016</a:t>
+              <a:t>6/16/2016</a:t>
             </a:fld>
             <a:endParaRPr lang="en-US"/>
           </a:p>
@@ -2994,7 +3410,7 @@
             <a:fld id="{1D8BD707-D9CF-40AE-B4C6-C98DA3205C09}" type="datetimeFigureOut">
               <a:rPr lang="en-US" smtClean="0"/>
               <a:pPr/>
-              <a:t>6/8/2016</a:t>
+              <a:t>6/16/2016</a:t>
             </a:fld>
             <a:endParaRPr lang="en-US"/>
           </a:p>
@@ -3169,7 +3585,7 @@
             <a:fld id="{1D8BD707-D9CF-40AE-B4C6-C98DA3205C09}" type="datetimeFigureOut">
               <a:rPr lang="en-US" smtClean="0"/>
               <a:pPr/>
-              <a:t>6/8/2016</a:t>
+              <a:t>6/16/2016</a:t>
             </a:fld>
             <a:endParaRPr lang="en-US"/>
           </a:p>
@@ -3347,7 +3763,7 @@
             <a:fld id="{1D8BD707-D9CF-40AE-B4C6-C98DA3205C09}" type="datetimeFigureOut">
               <a:rPr lang="en-US" smtClean="0"/>
               <a:pPr/>
-              <a:t>6/8/2016</a:t>
+              <a:t>6/16/2016</a:t>
             </a:fld>
             <a:endParaRPr lang="en-US"/>
           </a:p>
@@ -3983,7 +4399,7 @@
             <a:fld id="{1D8BD707-D9CF-40AE-B4C6-C98DA3205C09}" type="datetimeFigureOut">
               <a:rPr lang="en-US" smtClean="0"/>
               <a:pPr/>
-              <a:t>6/8/2016</a:t>
+              <a:t>6/16/2016</a:t>
             </a:fld>
             <a:endParaRPr lang="en-US"/>
           </a:p>
@@ -4227,7 +4643,7 @@
             <a:fld id="{1D8BD707-D9CF-40AE-B4C6-C98DA3205C09}" type="datetimeFigureOut">
               <a:rPr lang="en-US" smtClean="0"/>
               <a:pPr/>
-              <a:t>6/8/2016</a:t>
+              <a:t>6/16/2016</a:t>
             </a:fld>
             <a:endParaRPr lang="en-US"/>
           </a:p>
@@ -4513,7 +4929,7 @@
             <a:fld id="{1D8BD707-D9CF-40AE-B4C6-C98DA3205C09}" type="datetimeFigureOut">
               <a:rPr lang="en-US" smtClean="0"/>
               <a:pPr/>
-              <a:t>6/8/2016</a:t>
+              <a:t>6/16/2016</a:t>
             </a:fld>
             <a:endParaRPr lang="en-US"/>
           </a:p>
@@ -4933,7 +5349,7 @@
             <a:fld id="{1D8BD707-D9CF-40AE-B4C6-C98DA3205C09}" type="datetimeFigureOut">
               <a:rPr lang="en-US" smtClean="0"/>
               <a:pPr/>
-              <a:t>6/8/2016</a:t>
+              <a:t>6/16/2016</a:t>
             </a:fld>
             <a:endParaRPr lang="en-US"/>
           </a:p>
@@ -5056,7 +5472,7 @@
             <a:fld id="{1D8BD707-D9CF-40AE-B4C6-C98DA3205C09}" type="datetimeFigureOut">
               <a:rPr lang="en-US" smtClean="0"/>
               <a:pPr/>
-              <a:t>6/8/2016</a:t>
+              <a:t>6/16/2016</a:t>
             </a:fld>
             <a:endParaRPr lang="en-US"/>
           </a:p>
@@ -5149,7 +5565,7 @@
             <a:fld id="{1D8BD707-D9CF-40AE-B4C6-C98DA3205C09}" type="datetimeFigureOut">
               <a:rPr lang="en-US" smtClean="0"/>
               <a:pPr/>
-              <a:t>6/8/2016</a:t>
+              <a:t>6/16/2016</a:t>
             </a:fld>
             <a:endParaRPr lang="en-US"/>
           </a:p>
@@ -5424,7 +5840,7 @@
             <a:fld id="{1D8BD707-D9CF-40AE-B4C6-C98DA3205C09}" type="datetimeFigureOut">
               <a:rPr lang="en-US" smtClean="0"/>
               <a:pPr/>
-              <a:t>6/8/2016</a:t>
+              <a:t>6/16/2016</a:t>
             </a:fld>
             <a:endParaRPr lang="en-US"/>
           </a:p>
@@ -5682,7 +6098,7 @@
             <a:fld id="{1D8BD707-D9CF-40AE-B4C6-C98DA3205C09}" type="datetimeFigureOut">
               <a:rPr lang="en-US" smtClean="0"/>
               <a:pPr/>
-              <a:t>6/8/2016</a:t>
+              <a:t>6/16/2016</a:t>
             </a:fld>
             <a:endParaRPr lang="en-US"/>
           </a:p>
@@ -5893,7 +6309,7 @@
             <a:fld id="{1D8BD707-D9CF-40AE-B4C6-C98DA3205C09}" type="datetimeFigureOut">
               <a:rPr lang="en-US" smtClean="0"/>
               <a:pPr/>
-              <a:t>6/8/2016</a:t>
+              <a:t>6/16/2016</a:t>
             </a:fld>
             <a:endParaRPr lang="en-US"/>
           </a:p>
@@ -6443,6 +6859,640 @@
           <a:chExt cx="0" cy="0"/>
         </a:xfrm>
       </p:grpSpPr>
+      <p:pic>
+        <p:nvPicPr>
+          <p:cNvPr id="3" name="Picture 2"/>
+          <p:cNvPicPr>
+            <a:picLocks noChangeAspect="1"/>
+          </p:cNvPicPr>
+          <p:nvPr/>
+        </p:nvPicPr>
+        <p:blipFill>
+          <a:blip r:embed="rId2"/>
+          <a:stretch>
+            <a:fillRect/>
+          </a:stretch>
+        </p:blipFill>
+        <p:spPr>
+          <a:xfrm>
+            <a:off x="766762" y="33337"/>
+            <a:ext cx="7610475" cy="6791325"/>
+          </a:xfrm>
+          <a:prstGeom prst="rect">
+            <a:avLst/>
+          </a:prstGeom>
+        </p:spPr>
+      </p:pic>
+    </p:spTree>
+    <p:extLst>
+      <p:ext uri="{BB962C8B-B14F-4D97-AF65-F5344CB8AC3E}">
+        <p14:creationId xmlns:p14="http://schemas.microsoft.com/office/powerpoint/2010/main" val="3274172601"/>
+      </p:ext>
+    </p:extLst>
+  </p:cSld>
+  <p:clrMapOvr>
+    <a:masterClrMapping/>
+  </p:clrMapOvr>
+  <p:transition/>
+  <p:timing>
+    <p:tnLst>
+      <p:par>
+        <p:cTn id="1" dur="indefinite" restart="never" nodeType="tmRoot"/>
+      </p:par>
+    </p:tnLst>
+  </p:timing>
+</p:sld>
+</file>
+
+<file path=ppt/slides/slide11.xml><?xml version="1.0" encoding="utf-8"?>
+<p:sld xmlns:a="http://schemas.openxmlformats.org/drawingml/2006/main" xmlns:r="http://schemas.openxmlformats.org/officeDocument/2006/relationships" xmlns:p="http://schemas.openxmlformats.org/presentationml/2006/main">
+  <p:cSld>
+    <p:spTree>
+      <p:nvGrpSpPr>
+        <p:cNvPr id="1" name=""/>
+        <p:cNvGrpSpPr/>
+        <p:nvPr/>
+      </p:nvGrpSpPr>
+      <p:grpSpPr>
+        <a:xfrm>
+          <a:off x="0" y="0"/>
+          <a:ext cx="0" cy="0"/>
+          <a:chOff x="0" y="0"/>
+          <a:chExt cx="0" cy="0"/>
+        </a:xfrm>
+      </p:grpSpPr>
+      <p:pic>
+        <p:nvPicPr>
+          <p:cNvPr id="2" name="Picture 1"/>
+          <p:cNvPicPr>
+            <a:picLocks noChangeAspect="1"/>
+          </p:cNvPicPr>
+          <p:nvPr/>
+        </p:nvPicPr>
+        <p:blipFill>
+          <a:blip r:embed="rId2"/>
+          <a:stretch>
+            <a:fillRect/>
+          </a:stretch>
+        </p:blipFill>
+        <p:spPr>
+          <a:xfrm>
+            <a:off x="152400" y="-76200"/>
+            <a:ext cx="4895850" cy="4276725"/>
+          </a:xfrm>
+          <a:prstGeom prst="rect">
+            <a:avLst/>
+          </a:prstGeom>
+        </p:spPr>
+      </p:pic>
+      <p:pic>
+        <p:nvPicPr>
+          <p:cNvPr id="3" name="Picture 2"/>
+          <p:cNvPicPr>
+            <a:picLocks noChangeAspect="1"/>
+          </p:cNvPicPr>
+          <p:nvPr/>
+        </p:nvPicPr>
+        <p:blipFill>
+          <a:blip r:embed="rId3"/>
+          <a:stretch>
+            <a:fillRect/>
+          </a:stretch>
+        </p:blipFill>
+        <p:spPr>
+          <a:xfrm>
+            <a:off x="381000" y="4200525"/>
+            <a:ext cx="5934075" cy="2590800"/>
+          </a:xfrm>
+          <a:prstGeom prst="rect">
+            <a:avLst/>
+          </a:prstGeom>
+        </p:spPr>
+      </p:pic>
+      <p:pic>
+        <p:nvPicPr>
+          <p:cNvPr id="4" name="Picture 3"/>
+          <p:cNvPicPr>
+            <a:picLocks noChangeAspect="1"/>
+          </p:cNvPicPr>
+          <p:nvPr/>
+        </p:nvPicPr>
+        <p:blipFill>
+          <a:blip r:embed="rId4"/>
+          <a:stretch>
+            <a:fillRect/>
+          </a:stretch>
+        </p:blipFill>
+        <p:spPr>
+          <a:xfrm>
+            <a:off x="914400" y="2743200"/>
+            <a:ext cx="6953250" cy="1000125"/>
+          </a:xfrm>
+          <a:prstGeom prst="rect">
+            <a:avLst/>
+          </a:prstGeom>
+        </p:spPr>
+      </p:pic>
+    </p:spTree>
+    <p:extLst>
+      <p:ext uri="{BB962C8B-B14F-4D97-AF65-F5344CB8AC3E}">
+        <p14:creationId xmlns:p14="http://schemas.microsoft.com/office/powerpoint/2010/main" val="511593872"/>
+      </p:ext>
+    </p:extLst>
+  </p:cSld>
+  <p:clrMapOvr>
+    <a:masterClrMapping/>
+  </p:clrMapOvr>
+  <p:transition/>
+  <p:timing>
+    <p:tnLst>
+      <p:par>
+        <p:cTn id="1" dur="indefinite" restart="never" nodeType="tmRoot">
+          <p:childTnLst>
+            <p:seq concurrent="1" nextAc="seek">
+              <p:cTn id="2" dur="indefinite" nodeType="mainSeq">
+                <p:childTnLst>
+                  <p:par>
+                    <p:cTn id="3" fill="hold">
+                      <p:stCondLst>
+                        <p:cond delay="indefinite"/>
+                      </p:stCondLst>
+                      <p:childTnLst>
+                        <p:par>
+                          <p:cTn id="4" fill="hold">
+                            <p:stCondLst>
+                              <p:cond delay="0"/>
+                            </p:stCondLst>
+                            <p:childTnLst>
+                              <p:par>
+                                <p:cTn id="5" presetID="1" presetClass="entr" presetSubtype="0" fill="hold" nodeType="clickEffect">
+                                  <p:stCondLst>
+                                    <p:cond delay="0"/>
+                                  </p:stCondLst>
+                                  <p:childTnLst>
+                                    <p:set>
+                                      <p:cBhvr>
+                                        <p:cTn id="6" dur="1" fill="hold">
+                                          <p:stCondLst>
+                                            <p:cond delay="0"/>
+                                          </p:stCondLst>
+                                        </p:cTn>
+                                        <p:tgtEl>
+                                          <p:spTgt spid="4"/>
+                                        </p:tgtEl>
+                                        <p:attrNameLst>
+                                          <p:attrName>style.visibility</p:attrName>
+                                        </p:attrNameLst>
+                                      </p:cBhvr>
+                                      <p:to>
+                                        <p:strVal val="visible"/>
+                                      </p:to>
+                                    </p:set>
+                                  </p:childTnLst>
+                                </p:cTn>
+                              </p:par>
+                            </p:childTnLst>
+                          </p:cTn>
+                        </p:par>
+                      </p:childTnLst>
+                    </p:cTn>
+                  </p:par>
+                </p:childTnLst>
+              </p:cTn>
+              <p:prevCondLst>
+                <p:cond evt="onPrev" delay="0">
+                  <p:tgtEl>
+                    <p:sldTgt/>
+                  </p:tgtEl>
+                </p:cond>
+              </p:prevCondLst>
+              <p:nextCondLst>
+                <p:cond evt="onNext" delay="0">
+                  <p:tgtEl>
+                    <p:sldTgt/>
+                  </p:tgtEl>
+                </p:cond>
+              </p:nextCondLst>
+            </p:seq>
+          </p:childTnLst>
+        </p:cTn>
+      </p:par>
+    </p:tnLst>
+  </p:timing>
+</p:sld>
+</file>
+
+<file path=ppt/slides/slide12.xml><?xml version="1.0" encoding="utf-8"?>
+<p:sld xmlns:a="http://schemas.openxmlformats.org/drawingml/2006/main" xmlns:r="http://schemas.openxmlformats.org/officeDocument/2006/relationships" xmlns:p="http://schemas.openxmlformats.org/presentationml/2006/main">
+  <p:cSld>
+    <p:spTree>
+      <p:nvGrpSpPr>
+        <p:cNvPr id="1" name=""/>
+        <p:cNvGrpSpPr/>
+        <p:nvPr/>
+      </p:nvGrpSpPr>
+      <p:grpSpPr>
+        <a:xfrm>
+          <a:off x="0" y="0"/>
+          <a:ext cx="0" cy="0"/>
+          <a:chOff x="0" y="0"/>
+          <a:chExt cx="0" cy="0"/>
+        </a:xfrm>
+      </p:grpSpPr>
+      <p:pic>
+        <p:nvPicPr>
+          <p:cNvPr id="2" name="Picture 1"/>
+          <p:cNvPicPr>
+            <a:picLocks noChangeAspect="1"/>
+          </p:cNvPicPr>
+          <p:nvPr/>
+        </p:nvPicPr>
+        <p:blipFill>
+          <a:blip r:embed="rId2"/>
+          <a:stretch>
+            <a:fillRect/>
+          </a:stretch>
+        </p:blipFill>
+        <p:spPr>
+          <a:xfrm>
+            <a:off x="228600" y="2286000"/>
+            <a:ext cx="8153400" cy="1019175"/>
+          </a:xfrm>
+          <a:prstGeom prst="rect">
+            <a:avLst/>
+          </a:prstGeom>
+        </p:spPr>
+      </p:pic>
+      <p:pic>
+        <p:nvPicPr>
+          <p:cNvPr id="3" name="Picture 2"/>
+          <p:cNvPicPr>
+            <a:picLocks noChangeAspect="1"/>
+          </p:cNvPicPr>
+          <p:nvPr/>
+        </p:nvPicPr>
+        <p:blipFill>
+          <a:blip r:embed="rId3"/>
+          <a:stretch>
+            <a:fillRect/>
+          </a:stretch>
+        </p:blipFill>
+        <p:spPr>
+          <a:xfrm>
+            <a:off x="241738" y="152400"/>
+            <a:ext cx="7829550" cy="1719263"/>
+          </a:xfrm>
+          <a:prstGeom prst="rect">
+            <a:avLst/>
+          </a:prstGeom>
+        </p:spPr>
+      </p:pic>
+      <p:pic>
+        <p:nvPicPr>
+          <p:cNvPr id="4" name="Picture 3"/>
+          <p:cNvPicPr>
+            <a:picLocks noChangeAspect="1"/>
+          </p:cNvPicPr>
+          <p:nvPr/>
+        </p:nvPicPr>
+        <p:blipFill>
+          <a:blip r:embed="rId4"/>
+          <a:stretch>
+            <a:fillRect/>
+          </a:stretch>
+        </p:blipFill>
+        <p:spPr>
+          <a:xfrm>
+            <a:off x="623887" y="581025"/>
+            <a:ext cx="7896225" cy="5695950"/>
+          </a:xfrm>
+          <a:prstGeom prst="rect">
+            <a:avLst/>
+          </a:prstGeom>
+        </p:spPr>
+      </p:pic>
+    </p:spTree>
+    <p:extLst>
+      <p:ext uri="{BB962C8B-B14F-4D97-AF65-F5344CB8AC3E}">
+        <p14:creationId xmlns:p14="http://schemas.microsoft.com/office/powerpoint/2010/main" val="1207396075"/>
+      </p:ext>
+    </p:extLst>
+  </p:cSld>
+  <p:clrMapOvr>
+    <a:masterClrMapping/>
+  </p:clrMapOvr>
+  <p:transition/>
+  <p:timing>
+    <p:tnLst>
+      <p:par>
+        <p:cTn id="1" dur="indefinite" restart="never" nodeType="tmRoot">
+          <p:childTnLst>
+            <p:seq concurrent="1" nextAc="seek">
+              <p:cTn id="2" dur="indefinite" nodeType="mainSeq">
+                <p:childTnLst>
+                  <p:par>
+                    <p:cTn id="3" fill="hold">
+                      <p:stCondLst>
+                        <p:cond delay="indefinite"/>
+                      </p:stCondLst>
+                      <p:childTnLst>
+                        <p:par>
+                          <p:cTn id="4" fill="hold">
+                            <p:stCondLst>
+                              <p:cond delay="0"/>
+                            </p:stCondLst>
+                            <p:childTnLst>
+                              <p:par>
+                                <p:cTn id="5" presetID="1" presetClass="entr" presetSubtype="0" fill="hold" nodeType="clickEffect">
+                                  <p:stCondLst>
+                                    <p:cond delay="0"/>
+                                  </p:stCondLst>
+                                  <p:childTnLst>
+                                    <p:set>
+                                      <p:cBhvr>
+                                        <p:cTn id="6" dur="1" fill="hold">
+                                          <p:stCondLst>
+                                            <p:cond delay="0"/>
+                                          </p:stCondLst>
+                                        </p:cTn>
+                                        <p:tgtEl>
+                                          <p:spTgt spid="4"/>
+                                        </p:tgtEl>
+                                        <p:attrNameLst>
+                                          <p:attrName>style.visibility</p:attrName>
+                                        </p:attrNameLst>
+                                      </p:cBhvr>
+                                      <p:to>
+                                        <p:strVal val="visible"/>
+                                      </p:to>
+                                    </p:set>
+                                  </p:childTnLst>
+                                </p:cTn>
+                              </p:par>
+                            </p:childTnLst>
+                          </p:cTn>
+                        </p:par>
+                      </p:childTnLst>
+                    </p:cTn>
+                  </p:par>
+                </p:childTnLst>
+              </p:cTn>
+              <p:prevCondLst>
+                <p:cond evt="onPrev" delay="0">
+                  <p:tgtEl>
+                    <p:sldTgt/>
+                  </p:tgtEl>
+                </p:cond>
+              </p:prevCondLst>
+              <p:nextCondLst>
+                <p:cond evt="onNext" delay="0">
+                  <p:tgtEl>
+                    <p:sldTgt/>
+                  </p:tgtEl>
+                </p:cond>
+              </p:nextCondLst>
+            </p:seq>
+          </p:childTnLst>
+        </p:cTn>
+      </p:par>
+    </p:tnLst>
+  </p:timing>
+</p:sld>
+</file>
+
+<file path=ppt/slides/slide13.xml><?xml version="1.0" encoding="utf-8"?>
+<p:sld xmlns:a="http://schemas.openxmlformats.org/drawingml/2006/main" xmlns:r="http://schemas.openxmlformats.org/officeDocument/2006/relationships" xmlns:p="http://schemas.openxmlformats.org/presentationml/2006/main">
+  <p:cSld>
+    <p:spTree>
+      <p:nvGrpSpPr>
+        <p:cNvPr id="1" name=""/>
+        <p:cNvGrpSpPr/>
+        <p:nvPr/>
+      </p:nvGrpSpPr>
+      <p:grpSpPr>
+        <a:xfrm>
+          <a:off x="0" y="0"/>
+          <a:ext cx="0" cy="0"/>
+          <a:chOff x="0" y="0"/>
+          <a:chExt cx="0" cy="0"/>
+        </a:xfrm>
+      </p:grpSpPr>
+      <p:pic>
+        <p:nvPicPr>
+          <p:cNvPr id="2" name="Picture 1"/>
+          <p:cNvPicPr>
+            <a:picLocks noChangeAspect="1"/>
+          </p:cNvPicPr>
+          <p:nvPr/>
+        </p:nvPicPr>
+        <p:blipFill>
+          <a:blip r:embed="rId2"/>
+          <a:stretch>
+            <a:fillRect/>
+          </a:stretch>
+        </p:blipFill>
+        <p:spPr>
+          <a:xfrm>
+            <a:off x="152400" y="304800"/>
+            <a:ext cx="8634413" cy="5924967"/>
+          </a:xfrm>
+          <a:prstGeom prst="rect">
+            <a:avLst/>
+          </a:prstGeom>
+        </p:spPr>
+      </p:pic>
+      <p:pic>
+        <p:nvPicPr>
+          <p:cNvPr id="3" name="Picture 2"/>
+          <p:cNvPicPr>
+            <a:picLocks noChangeAspect="1"/>
+          </p:cNvPicPr>
+          <p:nvPr/>
+        </p:nvPicPr>
+        <p:blipFill>
+          <a:blip r:embed="rId3"/>
+          <a:stretch>
+            <a:fillRect/>
+          </a:stretch>
+        </p:blipFill>
+        <p:spPr>
+          <a:xfrm>
+            <a:off x="136634" y="3124200"/>
+            <a:ext cx="9053512" cy="602403"/>
+          </a:xfrm>
+          <a:prstGeom prst="rect">
+            <a:avLst/>
+          </a:prstGeom>
+        </p:spPr>
+      </p:pic>
+    </p:spTree>
+    <p:extLst>
+      <p:ext uri="{BB962C8B-B14F-4D97-AF65-F5344CB8AC3E}">
+        <p14:creationId xmlns:p14="http://schemas.microsoft.com/office/powerpoint/2010/main" val="1921626312"/>
+      </p:ext>
+    </p:extLst>
+  </p:cSld>
+  <p:clrMapOvr>
+    <a:masterClrMapping/>
+  </p:clrMapOvr>
+  <p:transition/>
+  <p:timing>
+    <p:tnLst>
+      <p:par>
+        <p:cTn id="1" dur="indefinite" restart="never" nodeType="tmRoot">
+          <p:childTnLst>
+            <p:seq concurrent="1" nextAc="seek">
+              <p:cTn id="2" dur="indefinite" nodeType="mainSeq">
+                <p:childTnLst>
+                  <p:par>
+                    <p:cTn id="3" fill="hold">
+                      <p:stCondLst>
+                        <p:cond delay="indefinite"/>
+                      </p:stCondLst>
+                      <p:childTnLst>
+                        <p:par>
+                          <p:cTn id="4" fill="hold">
+                            <p:stCondLst>
+                              <p:cond delay="0"/>
+                            </p:stCondLst>
+                            <p:childTnLst>
+                              <p:par>
+                                <p:cTn id="5" presetID="1" presetClass="entr" presetSubtype="0" fill="hold" nodeType="clickEffect">
+                                  <p:stCondLst>
+                                    <p:cond delay="0"/>
+                                  </p:stCondLst>
+                                  <p:childTnLst>
+                                    <p:set>
+                                      <p:cBhvr>
+                                        <p:cTn id="6" dur="1" fill="hold">
+                                          <p:stCondLst>
+                                            <p:cond delay="0"/>
+                                          </p:stCondLst>
+                                        </p:cTn>
+                                        <p:tgtEl>
+                                          <p:spTgt spid="3"/>
+                                        </p:tgtEl>
+                                        <p:attrNameLst>
+                                          <p:attrName>style.visibility</p:attrName>
+                                        </p:attrNameLst>
+                                      </p:cBhvr>
+                                      <p:to>
+                                        <p:strVal val="visible"/>
+                                      </p:to>
+                                    </p:set>
+                                  </p:childTnLst>
+                                </p:cTn>
+                              </p:par>
+                            </p:childTnLst>
+                          </p:cTn>
+                        </p:par>
+                      </p:childTnLst>
+                    </p:cTn>
+                  </p:par>
+                </p:childTnLst>
+              </p:cTn>
+              <p:prevCondLst>
+                <p:cond evt="onPrev" delay="0">
+                  <p:tgtEl>
+                    <p:sldTgt/>
+                  </p:tgtEl>
+                </p:cond>
+              </p:prevCondLst>
+              <p:nextCondLst>
+                <p:cond evt="onNext" delay="0">
+                  <p:tgtEl>
+                    <p:sldTgt/>
+                  </p:tgtEl>
+                </p:cond>
+              </p:nextCondLst>
+            </p:seq>
+          </p:childTnLst>
+        </p:cTn>
+      </p:par>
+    </p:tnLst>
+  </p:timing>
+</p:sld>
+</file>
+
+<file path=ppt/slides/slide14.xml><?xml version="1.0" encoding="utf-8"?>
+<p:sld xmlns:a="http://schemas.openxmlformats.org/drawingml/2006/main" xmlns:r="http://schemas.openxmlformats.org/officeDocument/2006/relationships" xmlns:p="http://schemas.openxmlformats.org/presentationml/2006/main">
+  <p:cSld>
+    <p:spTree>
+      <p:nvGrpSpPr>
+        <p:cNvPr id="1" name=""/>
+        <p:cNvGrpSpPr/>
+        <p:nvPr/>
+      </p:nvGrpSpPr>
+      <p:grpSpPr>
+        <a:xfrm>
+          <a:off x="0" y="0"/>
+          <a:ext cx="0" cy="0"/>
+          <a:chOff x="0" y="0"/>
+          <a:chExt cx="0" cy="0"/>
+        </a:xfrm>
+      </p:grpSpPr>
+      <p:pic>
+        <p:nvPicPr>
+          <p:cNvPr id="2" name="Picture 1"/>
+          <p:cNvPicPr>
+            <a:picLocks noChangeAspect="1"/>
+          </p:cNvPicPr>
+          <p:nvPr/>
+        </p:nvPicPr>
+        <p:blipFill>
+          <a:blip r:embed="rId2"/>
+          <a:stretch>
+            <a:fillRect/>
+          </a:stretch>
+        </p:blipFill>
+        <p:spPr>
+          <a:xfrm>
+            <a:off x="190500" y="52387"/>
+            <a:ext cx="8763000" cy="6753225"/>
+          </a:xfrm>
+          <a:prstGeom prst="rect">
+            <a:avLst/>
+          </a:prstGeom>
+        </p:spPr>
+      </p:pic>
+    </p:spTree>
+    <p:extLst>
+      <p:ext uri="{BB962C8B-B14F-4D97-AF65-F5344CB8AC3E}">
+        <p14:creationId xmlns:p14="http://schemas.microsoft.com/office/powerpoint/2010/main" val="3826227264"/>
+      </p:ext>
+    </p:extLst>
+  </p:cSld>
+  <p:clrMapOvr>
+    <a:masterClrMapping/>
+  </p:clrMapOvr>
+  <p:transition/>
+  <p:timing>
+    <p:tnLst>
+      <p:par>
+        <p:cTn id="1" dur="indefinite" restart="never" nodeType="tmRoot"/>
+      </p:par>
+    </p:tnLst>
+  </p:timing>
+</p:sld>
+</file>
+
+<file path=ppt/slides/slide15.xml><?xml version="1.0" encoding="utf-8"?>
+<p:sld xmlns:a="http://schemas.openxmlformats.org/drawingml/2006/main" xmlns:r="http://schemas.openxmlformats.org/officeDocument/2006/relationships" xmlns:p="http://schemas.openxmlformats.org/presentationml/2006/main">
+  <p:cSld>
+    <p:spTree>
+      <p:nvGrpSpPr>
+        <p:cNvPr id="1" name=""/>
+        <p:cNvGrpSpPr/>
+        <p:nvPr/>
+      </p:nvGrpSpPr>
+      <p:grpSpPr>
+        <a:xfrm>
+          <a:off x="0" y="0"/>
+          <a:ext cx="0" cy="0"/>
+          <a:chOff x="0" y="0"/>
+          <a:chExt cx="0" cy="0"/>
+        </a:xfrm>
+      </p:grpSpPr>
       <p:sp>
         <p:nvSpPr>
           <p:cNvPr id="2" name="Title 1"/>
@@ -6506,10 +7556,17 @@
     <a:masterClrMapping/>
   </p:clrMapOvr>
   <p:transition/>
+  <p:timing>
+    <p:tnLst>
+      <p:par>
+        <p:cTn id="1" dur="indefinite" restart="never" nodeType="tmRoot"/>
+      </p:par>
+    </p:tnLst>
+  </p:timing>
 </p:sld>
 </file>
 
-<file path=ppt/slides/slide11.xml><?xml version="1.0" encoding="utf-8"?>
+<file path=ppt/slides/slide16.xml><?xml version="1.0" encoding="utf-8"?>
 <p:sld xmlns:a="http://schemas.openxmlformats.org/drawingml/2006/main" xmlns:r="http://schemas.openxmlformats.org/officeDocument/2006/relationships" xmlns:p="http://schemas.openxmlformats.org/presentationml/2006/main">
   <p:cSld>
     <p:spTree>
@@ -6627,7 +7684,7 @@
 </p:sld>
 </file>
 
-<file path=ppt/slides/slide12.xml><?xml version="1.0" encoding="utf-8"?>
+<file path=ppt/slides/slide17.xml><?xml version="1.0" encoding="utf-8"?>
 <p:sld xmlns:a="http://schemas.openxmlformats.org/drawingml/2006/main" xmlns:r="http://schemas.openxmlformats.org/officeDocument/2006/relationships" xmlns:p="http://schemas.openxmlformats.org/presentationml/2006/main">
   <p:cSld>
     <p:spTree>
@@ -6744,7 +7801,7 @@
 </p:sld>
 </file>
 
-<file path=ppt/slides/slide13.xml><?xml version="1.0" encoding="utf-8"?>
+<file path=ppt/slides/slide18.xml><?xml version="1.0" encoding="utf-8"?>
 <p:sld xmlns:a="http://schemas.openxmlformats.org/drawingml/2006/main" xmlns:r="http://schemas.openxmlformats.org/officeDocument/2006/relationships" xmlns:p="http://schemas.openxmlformats.org/presentationml/2006/main">
   <p:cSld>
     <p:spTree>
@@ -6857,7 +7914,7 @@
 </p:sld>
 </file>
 
-<file path=ppt/slides/slide14.xml><?xml version="1.0" encoding="utf-8"?>
+<file path=ppt/slides/slide19.xml><?xml version="1.0" encoding="utf-8"?>
 <p:sld xmlns:a="http://schemas.openxmlformats.org/drawingml/2006/main" xmlns:r="http://schemas.openxmlformats.org/officeDocument/2006/relationships" xmlns:p="http://schemas.openxmlformats.org/presentationml/2006/main">
   <p:cSld>
     <p:spTree>
@@ -7075,7 +8132,7 @@
 </p:sld>
 </file>
 
-<file path=ppt/slides/slide15.xml><?xml version="1.0" encoding="utf-8"?>
+<file path=ppt/slides/slide2.xml><?xml version="1.0" encoding="utf-8"?>
 <p:sld xmlns:a="http://schemas.openxmlformats.org/drawingml/2006/main" xmlns:r="http://schemas.openxmlformats.org/officeDocument/2006/relationships" xmlns:p="http://schemas.openxmlformats.org/presentationml/2006/main">
   <p:cSld>
     <p:spTree>
@@ -7094,7 +8151,7 @@
       </p:grpSpPr>
       <p:sp>
         <p:nvSpPr>
-          <p:cNvPr id="2" name="Title 1"/>
+          <p:cNvPr id="10" name="Title 9"/>
           <p:cNvSpPr>
             <a:spLocks noGrp="1"/>
           </p:cNvSpPr>
@@ -7107,70 +8164,39 @@
           <a:bodyPr/>
           <a:lstStyle/>
           <a:p>
+            <a:r>
+              <a:rPr lang="en-US" dirty="0" smtClean="0"/>
+              <a:t>Goals</a:t>
+            </a:r>
             <a:endParaRPr lang="en-US" dirty="0"/>
           </a:p>
         </p:txBody>
       </p:sp>
-      <p:graphicFrame>
-        <p:nvGraphicFramePr>
-          <p:cNvPr id="7" name="Content Placeholder 5"/>
-          <p:cNvGraphicFramePr>
-            <a:graphicFrameLocks noGrp="1"/>
-          </p:cNvGraphicFramePr>
+      <p:sp>
+        <p:nvSpPr>
+          <p:cNvPr id="11" name="Content Placeholder 10"/>
+          <p:cNvSpPr>
+            <a:spLocks noGrp="1"/>
+          </p:cNvSpPr>
           <p:nvPr>
             <p:ph idx="1"/>
-            <p:extLst>
-              <p:ext uri="{D42A27DB-BD31-4B8C-83A1-F6EECF244321}">
-                <p14:modId xmlns:p14="http://schemas.microsoft.com/office/powerpoint/2010/main" val="2594118601"/>
-              </p:ext>
-            </p:extLst>
-          </p:nvPr>
-        </p:nvGraphicFramePr>
-        <p:xfrm>
-          <a:off x="457200" y="1600200"/>
-          <a:ext cx="8229600" cy="4525963"/>
-        </p:xfrm>
-        <a:graphic>
-          <a:graphicData uri="http://schemas.openxmlformats.org/drawingml/2006/diagram">
-            <dgm:relIds xmlns:dgm="http://schemas.openxmlformats.org/drawingml/2006/diagram" xmlns:r="http://schemas.openxmlformats.org/officeDocument/2006/relationships" r:dm="rId2" r:lo="rId3" r:qs="rId4" r:cs="rId5"/>
-          </a:graphicData>
-        </a:graphic>
-      </p:graphicFrame>
-      <p:sp>
-        <p:nvSpPr>
-          <p:cNvPr id="8" name="TextBox 7"/>
-          <p:cNvSpPr txBox="1"/>
-          <p:nvPr/>
-        </p:nvSpPr>
-        <p:spPr>
-          <a:xfrm>
-            <a:off x="3657600" y="2057400"/>
-            <a:ext cx="1905000" cy="369332"/>
-          </a:xfrm>
-          <a:prstGeom prst="rect">
-            <a:avLst/>
-          </a:prstGeom>
-          <a:noFill/>
-        </p:spPr>
-        <p:txBody>
-          <a:bodyPr wrap="square" rtlCol="0">
-            <a:spAutoFit/>
-          </a:bodyPr>
+          </p:nvPr>
+        </p:nvSpPr>
+        <p:spPr/>
+        <p:txBody>
+          <a:bodyPr/>
           <a:lstStyle/>
           <a:p>
-            <a:r>
-              <a:rPr lang="en-US" dirty="0" err="1" smtClean="0"/>
-              <a:t>Epigenetics</a:t>
-            </a:r>
-            <a:r>
-              <a:rPr lang="en-US" dirty="0" smtClean="0"/>
-              <a:t>!</a:t>
-            </a:r>
-            <a:endParaRPr lang="en-US" dirty="0"/>
+            <a:endParaRPr lang="en-US"/>
           </a:p>
         </p:txBody>
       </p:sp>
     </p:spTree>
+    <p:extLst>
+      <p:ext uri="{BB962C8B-B14F-4D97-AF65-F5344CB8AC3E}">
+        <p14:creationId xmlns:p14="http://schemas.microsoft.com/office/powerpoint/2010/main" val="1593568777"/>
+      </p:ext>
+    </p:extLst>
   </p:cSld>
   <p:clrMapOvr>
     <a:masterClrMapping/>
@@ -7179,7 +8205,7 @@
 </p:sld>
 </file>
 
-<file path=ppt/slides/slide16.xml><?xml version="1.0" encoding="utf-8"?>
+<file path=ppt/slides/slide20.xml><?xml version="1.0" encoding="utf-8"?>
 <p:sld xmlns:a="http://schemas.openxmlformats.org/drawingml/2006/main" xmlns:r="http://schemas.openxmlformats.org/officeDocument/2006/relationships" xmlns:p="http://schemas.openxmlformats.org/presentationml/2006/main">
   <p:cSld>
     <p:spTree>
@@ -7211,40 +8237,66 @@
           <a:bodyPr/>
           <a:lstStyle/>
           <a:p>
+            <a:endParaRPr lang="en-US" dirty="0"/>
+          </a:p>
+        </p:txBody>
+      </p:sp>
+      <p:graphicFrame>
+        <p:nvGraphicFramePr>
+          <p:cNvPr id="7" name="Content Placeholder 5"/>
+          <p:cNvGraphicFramePr>
+            <a:graphicFrameLocks noGrp="1"/>
+          </p:cNvGraphicFramePr>
+          <p:nvPr>
+            <p:ph idx="1"/>
+            <p:extLst>
+              <p:ext uri="{D42A27DB-BD31-4B8C-83A1-F6EECF244321}">
+                <p14:modId xmlns:p14="http://schemas.microsoft.com/office/powerpoint/2010/main" val="2594118601"/>
+              </p:ext>
+            </p:extLst>
+          </p:nvPr>
+        </p:nvGraphicFramePr>
+        <p:xfrm>
+          <a:off x="457200" y="1600200"/>
+          <a:ext cx="8229600" cy="4525963"/>
+        </p:xfrm>
+        <a:graphic>
+          <a:graphicData uri="http://schemas.openxmlformats.org/drawingml/2006/diagram">
+            <dgm:relIds xmlns:dgm="http://schemas.openxmlformats.org/drawingml/2006/diagram" xmlns:r="http://schemas.openxmlformats.org/officeDocument/2006/relationships" r:dm="rId2" r:lo="rId3" r:qs="rId4" r:cs="rId5"/>
+          </a:graphicData>
+        </a:graphic>
+      </p:graphicFrame>
+      <p:sp>
+        <p:nvSpPr>
+          <p:cNvPr id="8" name="TextBox 7"/>
+          <p:cNvSpPr txBox="1"/>
+          <p:nvPr/>
+        </p:nvSpPr>
+        <p:spPr>
+          <a:xfrm>
+            <a:off x="3657600" y="2057400"/>
+            <a:ext cx="1905000" cy="369332"/>
+          </a:xfrm>
+          <a:prstGeom prst="rect">
+            <a:avLst/>
+          </a:prstGeom>
+          <a:noFill/>
+        </p:spPr>
+        <p:txBody>
+          <a:bodyPr wrap="square" rtlCol="0">
+            <a:spAutoFit/>
+          </a:bodyPr>
+          <a:lstStyle/>
+          <a:p>
+            <a:r>
+              <a:rPr lang="en-US" dirty="0" err="1" smtClean="0"/>
+              <a:t>Epigenetics</a:t>
+            </a:r>
             <a:r>
               <a:rPr lang="en-US" dirty="0" smtClean="0"/>
-              <a:t>Two examples</a:t>
+              <a:t>!</a:t>
             </a:r>
             <a:endParaRPr lang="en-US" dirty="0"/>
-          </a:p>
-        </p:txBody>
-      </p:sp>
-      <p:sp>
-        <p:nvSpPr>
-          <p:cNvPr id="3" name="Content Placeholder 2"/>
-          <p:cNvSpPr>
-            <a:spLocks noGrp="1"/>
-          </p:cNvSpPr>
-          <p:nvPr>
-            <p:ph idx="1"/>
-          </p:nvPr>
-        </p:nvSpPr>
-        <p:spPr/>
-        <p:txBody>
-          <a:bodyPr/>
-          <a:lstStyle/>
-          <a:p>
-            <a:r>
-              <a:rPr lang="en-US" dirty="0" smtClean="0"/>
-              <a:t>Telomeres</a:t>
-            </a:r>
-          </a:p>
-          <a:p>
-            <a:r>
-              <a:rPr lang="en-US" dirty="0" err="1" smtClean="0"/>
-              <a:t>Methylation</a:t>
-            </a:r>
-            <a:endParaRPr lang="en-US" dirty="0" smtClean="0"/>
           </a:p>
         </p:txBody>
       </p:sp>
@@ -7257,7 +8309,7 @@
 </p:sld>
 </file>
 
-<file path=ppt/slides/slide17.xml><?xml version="1.0" encoding="utf-8"?>
+<file path=ppt/slides/slide21.xml><?xml version="1.0" encoding="utf-8"?>
 <p:sld xmlns:a="http://schemas.openxmlformats.org/drawingml/2006/main" xmlns:r="http://schemas.openxmlformats.org/officeDocument/2006/relationships" xmlns:p="http://schemas.openxmlformats.org/presentationml/2006/main">
   <p:cSld>
     <p:spTree>
@@ -7291,7 +8343,7 @@
           <a:p>
             <a:r>
               <a:rPr lang="en-US" dirty="0" smtClean="0"/>
-              <a:t>telomeres</a:t>
+              <a:t>Two examples</a:t>
             </a:r>
             <a:endParaRPr lang="en-US" dirty="0"/>
           </a:p>
@@ -7312,7 +8364,17 @@
           <a:bodyPr/>
           <a:lstStyle/>
           <a:p>
-            <a:endParaRPr lang="en-US"/>
+            <a:r>
+              <a:rPr lang="en-US" dirty="0" smtClean="0"/>
+              <a:t>Telomeres</a:t>
+            </a:r>
+          </a:p>
+          <a:p>
+            <a:r>
+              <a:rPr lang="en-US" dirty="0" err="1" smtClean="0"/>
+              <a:t>Methylation</a:t>
+            </a:r>
+            <a:endParaRPr lang="en-US" dirty="0" smtClean="0"/>
           </a:p>
         </p:txBody>
       </p:sp>
@@ -7325,7 +8387,75 @@
 </p:sld>
 </file>
 
-<file path=ppt/slides/slide18.xml><?xml version="1.0" encoding="utf-8"?>
+<file path=ppt/slides/slide22.xml><?xml version="1.0" encoding="utf-8"?>
+<p:sld xmlns:a="http://schemas.openxmlformats.org/drawingml/2006/main" xmlns:r="http://schemas.openxmlformats.org/officeDocument/2006/relationships" xmlns:p="http://schemas.openxmlformats.org/presentationml/2006/main">
+  <p:cSld>
+    <p:spTree>
+      <p:nvGrpSpPr>
+        <p:cNvPr id="1" name=""/>
+        <p:cNvGrpSpPr/>
+        <p:nvPr/>
+      </p:nvGrpSpPr>
+      <p:grpSpPr>
+        <a:xfrm>
+          <a:off x="0" y="0"/>
+          <a:ext cx="0" cy="0"/>
+          <a:chOff x="0" y="0"/>
+          <a:chExt cx="0" cy="0"/>
+        </a:xfrm>
+      </p:grpSpPr>
+      <p:sp>
+        <p:nvSpPr>
+          <p:cNvPr id="2" name="Title 1"/>
+          <p:cNvSpPr>
+            <a:spLocks noGrp="1"/>
+          </p:cNvSpPr>
+          <p:nvPr>
+            <p:ph type="title"/>
+          </p:nvPr>
+        </p:nvSpPr>
+        <p:spPr/>
+        <p:txBody>
+          <a:bodyPr/>
+          <a:lstStyle/>
+          <a:p>
+            <a:r>
+              <a:rPr lang="en-US" dirty="0" smtClean="0"/>
+              <a:t>telomeres</a:t>
+            </a:r>
+            <a:endParaRPr lang="en-US" dirty="0"/>
+          </a:p>
+        </p:txBody>
+      </p:sp>
+      <p:sp>
+        <p:nvSpPr>
+          <p:cNvPr id="3" name="Content Placeholder 2"/>
+          <p:cNvSpPr>
+            <a:spLocks noGrp="1"/>
+          </p:cNvSpPr>
+          <p:nvPr>
+            <p:ph idx="1"/>
+          </p:nvPr>
+        </p:nvSpPr>
+        <p:spPr/>
+        <p:txBody>
+          <a:bodyPr/>
+          <a:lstStyle/>
+          <a:p>
+            <a:endParaRPr lang="en-US"/>
+          </a:p>
+        </p:txBody>
+      </p:sp>
+    </p:spTree>
+  </p:cSld>
+  <p:clrMapOvr>
+    <a:masterClrMapping/>
+  </p:clrMapOvr>
+  <p:transition/>
+</p:sld>
+</file>
+
+<file path=ppt/slides/slide23.xml><?xml version="1.0" encoding="utf-8"?>
 <p:sld xmlns:a="http://schemas.openxmlformats.org/drawingml/2006/main" xmlns:r="http://schemas.openxmlformats.org/officeDocument/2006/relationships" xmlns:p="http://schemas.openxmlformats.org/presentationml/2006/main">
   <p:cSld>
     <p:spTree>
@@ -7427,7 +8557,7 @@
 </p:sld>
 </file>
 
-<file path=ppt/slides/slide19.xml><?xml version="1.0" encoding="utf-8"?>
+<file path=ppt/slides/slide24.xml><?xml version="1.0" encoding="utf-8"?>
 <p:sld xmlns:a="http://schemas.openxmlformats.org/drawingml/2006/main" xmlns:r="http://schemas.openxmlformats.org/officeDocument/2006/relationships" xmlns:p="http://schemas.openxmlformats.org/presentationml/2006/main">
   <p:cSld>
     <p:spTree>
@@ -7538,80 +8668,7 @@
 </p:sld>
 </file>
 
-<file path=ppt/slides/slide2.xml><?xml version="1.0" encoding="utf-8"?>
-<p:sld xmlns:a="http://schemas.openxmlformats.org/drawingml/2006/main" xmlns:r="http://schemas.openxmlformats.org/officeDocument/2006/relationships" xmlns:p="http://schemas.openxmlformats.org/presentationml/2006/main">
-  <p:cSld>
-    <p:spTree>
-      <p:nvGrpSpPr>
-        <p:cNvPr id="1" name=""/>
-        <p:cNvGrpSpPr/>
-        <p:nvPr/>
-      </p:nvGrpSpPr>
-      <p:grpSpPr>
-        <a:xfrm>
-          <a:off x="0" y="0"/>
-          <a:ext cx="0" cy="0"/>
-          <a:chOff x="0" y="0"/>
-          <a:chExt cx="0" cy="0"/>
-        </a:xfrm>
-      </p:grpSpPr>
-      <p:sp>
-        <p:nvSpPr>
-          <p:cNvPr id="10" name="Title 9"/>
-          <p:cNvSpPr>
-            <a:spLocks noGrp="1"/>
-          </p:cNvSpPr>
-          <p:nvPr>
-            <p:ph type="title"/>
-          </p:nvPr>
-        </p:nvSpPr>
-        <p:spPr/>
-        <p:txBody>
-          <a:bodyPr/>
-          <a:lstStyle/>
-          <a:p>
-            <a:r>
-              <a:rPr lang="en-US" dirty="0" smtClean="0"/>
-              <a:t>Introduction</a:t>
-            </a:r>
-            <a:endParaRPr lang="en-US" dirty="0"/>
-          </a:p>
-        </p:txBody>
-      </p:sp>
-      <p:sp>
-        <p:nvSpPr>
-          <p:cNvPr id="11" name="Content Placeholder 10"/>
-          <p:cNvSpPr>
-            <a:spLocks noGrp="1"/>
-          </p:cNvSpPr>
-          <p:nvPr>
-            <p:ph idx="1"/>
-          </p:nvPr>
-        </p:nvSpPr>
-        <p:spPr/>
-        <p:txBody>
-          <a:bodyPr/>
-          <a:lstStyle/>
-          <a:p>
-            <a:endParaRPr lang="en-US"/>
-          </a:p>
-        </p:txBody>
-      </p:sp>
-    </p:spTree>
-    <p:extLst>
-      <p:ext uri="{BB962C8B-B14F-4D97-AF65-F5344CB8AC3E}">
-        <p14:creationId xmlns:p14="http://schemas.microsoft.com/office/powerpoint/2010/main" val="1593568777"/>
-      </p:ext>
-    </p:extLst>
-  </p:cSld>
-  <p:clrMapOvr>
-    <a:masterClrMapping/>
-  </p:clrMapOvr>
-  <p:transition/>
-</p:sld>
-</file>
-
-<file path=ppt/slides/slide20.xml><?xml version="1.0" encoding="utf-8"?>
+<file path=ppt/slides/slide25.xml><?xml version="1.0" encoding="utf-8"?>
 <p:sld xmlns:a="http://schemas.openxmlformats.org/drawingml/2006/main" xmlns:r="http://schemas.openxmlformats.org/officeDocument/2006/relationships" xmlns:p="http://schemas.openxmlformats.org/presentationml/2006/main">
   <p:cSld>
     <p:spTree>
@@ -7707,7 +8764,7 @@
 </p:sld>
 </file>
 
-<file path=ppt/slides/slide21.xml><?xml version="1.0" encoding="utf-8"?>
+<file path=ppt/slides/slide26.xml><?xml version="1.0" encoding="utf-8"?>
 <p:sld xmlns:a="http://schemas.openxmlformats.org/drawingml/2006/main" xmlns:r="http://schemas.openxmlformats.org/officeDocument/2006/relationships" xmlns:p="http://schemas.openxmlformats.org/presentationml/2006/main">
   <p:cSld>
     <p:spTree>
@@ -7824,7 +8881,7 @@
 </p:sld>
 </file>
 
-<file path=ppt/slides/slide22.xml><?xml version="1.0" encoding="utf-8"?>
+<file path=ppt/slides/slide27.xml><?xml version="1.0" encoding="utf-8"?>
 <p:sld xmlns:a="http://schemas.openxmlformats.org/drawingml/2006/main" xmlns:r="http://schemas.openxmlformats.org/officeDocument/2006/relationships" xmlns:p="http://schemas.openxmlformats.org/presentationml/2006/main">
   <p:cSld>
     <p:spTree>
@@ -7935,7 +8992,7 @@
 </p:sld>
 </file>
 
-<file path=ppt/slides/slide23.xml><?xml version="1.0" encoding="utf-8"?>
+<file path=ppt/slides/slide28.xml><?xml version="1.0" encoding="utf-8"?>
 <p:sld xmlns:a="http://schemas.openxmlformats.org/drawingml/2006/main" xmlns:r="http://schemas.openxmlformats.org/officeDocument/2006/relationships" xmlns:p="http://schemas.openxmlformats.org/presentationml/2006/main">
   <p:cSld>
     <p:spTree>
@@ -7999,7 +9056,7 @@
 </p:sld>
 </file>
 
-<file path=ppt/slides/slide24.xml><?xml version="1.0" encoding="utf-8"?>
+<file path=ppt/slides/slide29.xml><?xml version="1.0" encoding="utf-8"?>
 <p:sld xmlns:a="http://schemas.openxmlformats.org/drawingml/2006/main" xmlns:r="http://schemas.openxmlformats.org/officeDocument/2006/relationships" xmlns:p="http://schemas.openxmlformats.org/presentationml/2006/main">
   <p:cSld>
     <p:spTree>
@@ -8036,80 +9093,6 @@
               <a:t>Where do we go from here?</a:t>
             </a:r>
             <a:endParaRPr lang="en-US" dirty="0"/>
-          </a:p>
-        </p:txBody>
-      </p:sp>
-      <p:sp>
-        <p:nvSpPr>
-          <p:cNvPr id="3" name="Content Placeholder 2"/>
-          <p:cNvSpPr>
-            <a:spLocks noGrp="1"/>
-          </p:cNvSpPr>
-          <p:nvPr>
-            <p:ph idx="1"/>
-          </p:nvPr>
-        </p:nvSpPr>
-        <p:spPr/>
-        <p:txBody>
-          <a:bodyPr/>
-          <a:lstStyle/>
-          <a:p>
-            <a:endParaRPr lang="en-US"/>
-          </a:p>
-        </p:txBody>
-      </p:sp>
-    </p:spTree>
-  </p:cSld>
-  <p:clrMapOvr>
-    <a:masterClrMapping/>
-  </p:clrMapOvr>
-  <p:transition/>
-</p:sld>
-</file>
-
-<file path=ppt/slides/slide25.xml><?xml version="1.0" encoding="utf-8"?>
-<p:sld xmlns:a="http://schemas.openxmlformats.org/drawingml/2006/main" xmlns:r="http://schemas.openxmlformats.org/officeDocument/2006/relationships" xmlns:p="http://schemas.openxmlformats.org/presentationml/2006/main">
-  <p:cSld>
-    <p:spTree>
-      <p:nvGrpSpPr>
-        <p:cNvPr id="1" name=""/>
-        <p:cNvGrpSpPr/>
-        <p:nvPr/>
-      </p:nvGrpSpPr>
-      <p:grpSpPr>
-        <a:xfrm>
-          <a:off x="0" y="0"/>
-          <a:ext cx="0" cy="0"/>
-          <a:chOff x="0" y="0"/>
-          <a:chExt cx="0" cy="0"/>
-        </a:xfrm>
-      </p:grpSpPr>
-      <p:sp>
-        <p:nvSpPr>
-          <p:cNvPr id="2" name="Title 1"/>
-          <p:cNvSpPr>
-            <a:spLocks noGrp="1"/>
-          </p:cNvSpPr>
-          <p:nvPr>
-            <p:ph type="title"/>
-          </p:nvPr>
-        </p:nvSpPr>
-        <p:spPr/>
-        <p:txBody>
-          <a:bodyPr>
-            <a:normAutofit fontScale="90000"/>
-          </a:bodyPr>
-          <a:lstStyle/>
-          <a:p>
-            <a:r>
-              <a:rPr lang="en-US" dirty="0" smtClean="0"/>
-              <a:t>Lots of time to flesh out </a:t>
-            </a:r>
-            <a:r>
-              <a:rPr lang="en-US" smtClean="0"/>
-              <a:t>research question</a:t>
-            </a:r>
-            <a:endParaRPr lang="en-US"/>
           </a:p>
         </p:txBody>
       </p:sp>
@@ -8175,271 +9158,32 @@
           <a:p>
             <a:r>
               <a:rPr lang="en-US" dirty="0" smtClean="0"/>
-              <a:t>Schedule</a:t>
+              <a:t>Review</a:t>
             </a:r>
             <a:endParaRPr lang="en-US" dirty="0"/>
           </a:p>
         </p:txBody>
       </p:sp>
-      <p:graphicFrame>
-        <p:nvGraphicFramePr>
-          <p:cNvPr id="4" name="Content Placeholder 3"/>
-          <p:cNvGraphicFramePr>
-            <a:graphicFrameLocks noGrp="1"/>
-          </p:cNvGraphicFramePr>
+      <p:sp>
+        <p:nvSpPr>
+          <p:cNvPr id="3" name="Content Placeholder 2"/>
+          <p:cNvSpPr>
+            <a:spLocks noGrp="1"/>
+          </p:cNvSpPr>
           <p:nvPr>
             <p:ph idx="1"/>
-            <p:extLst>
-              <p:ext uri="{D42A27DB-BD31-4B8C-83A1-F6EECF244321}">
-                <p14:modId xmlns:p14="http://schemas.microsoft.com/office/powerpoint/2010/main" val="1792184405"/>
-              </p:ext>
-            </p:extLst>
-          </p:nvPr>
-        </p:nvGraphicFramePr>
-        <p:xfrm>
-          <a:off x="457200" y="1600200"/>
-          <a:ext cx="8229600" cy="4485640"/>
-        </p:xfrm>
-        <a:graphic>
-          <a:graphicData uri="http://schemas.openxmlformats.org/drawingml/2006/table">
-            <a:tbl>
-              <a:tblPr firstRow="1" bandRow="1">
-                <a:tableStyleId>{5C22544A-7EE6-4342-B048-85BDC9FD1C3A}</a:tableStyleId>
-              </a:tblPr>
-              <a:tblGrid>
-                <a:gridCol w="4114800"/>
-                <a:gridCol w="4114800"/>
-              </a:tblGrid>
-              <a:tr h="370840">
-                <a:tc>
-                  <a:txBody>
-                    <a:bodyPr/>
-                    <a:lstStyle/>
-                    <a:p>
-                      <a:r>
-                        <a:rPr lang="en-US" dirty="0" smtClean="0"/>
-                        <a:t>LECTURE</a:t>
-                      </a:r>
-                      <a:endParaRPr lang="en-US" dirty="0"/>
-                    </a:p>
-                  </a:txBody>
-                  <a:tcPr/>
-                </a:tc>
-                <a:tc>
-                  <a:txBody>
-                    <a:bodyPr/>
-                    <a:lstStyle/>
-                    <a:p>
-                      <a:r>
-                        <a:rPr lang="en-US" dirty="0" smtClean="0"/>
-                        <a:t>HANDS-ON</a:t>
-                      </a:r>
-                      <a:endParaRPr lang="en-US" dirty="0"/>
-                    </a:p>
-                  </a:txBody>
-                  <a:tcPr/>
-                </a:tc>
-              </a:tr>
-              <a:tr h="822960">
-                <a:tc>
-                  <a:txBody>
-                    <a:bodyPr/>
-                    <a:lstStyle/>
-                    <a:p>
-                      <a:r>
-                        <a:rPr lang="en-US" dirty="0" smtClean="0"/>
-                        <a:t>Genome-wide data</a:t>
-                      </a:r>
-                      <a:endParaRPr lang="en-US" dirty="0"/>
-                    </a:p>
-                  </a:txBody>
-                  <a:tcPr/>
-                </a:tc>
-                <a:tc>
-                  <a:txBody>
-                    <a:bodyPr/>
-                    <a:lstStyle/>
-                    <a:p>
-                      <a:r>
-                        <a:rPr lang="en-US" dirty="0" smtClean="0"/>
-                        <a:t>Linux</a:t>
-                      </a:r>
-                      <a:r>
-                        <a:rPr lang="en-US" baseline="0" dirty="0" smtClean="0"/>
-                        <a:t> tools</a:t>
-                      </a:r>
-                    </a:p>
-                    <a:p>
-                      <a:r>
-                        <a:rPr lang="en-US" baseline="0" dirty="0" smtClean="0"/>
-                        <a:t>Starting with plink</a:t>
-                      </a:r>
-                      <a:endParaRPr lang="en-US" dirty="0"/>
-                    </a:p>
-                  </a:txBody>
-                  <a:tcPr/>
-                </a:tc>
-              </a:tr>
-              <a:tr h="822960">
-                <a:tc>
-                  <a:txBody>
-                    <a:bodyPr/>
-                    <a:lstStyle/>
-                    <a:p>
-                      <a:r>
-                        <a:rPr lang="en-US" dirty="0" smtClean="0"/>
-                        <a:t>Population stratification</a:t>
-                      </a:r>
-                      <a:endParaRPr lang="en-US" dirty="0"/>
-                    </a:p>
-                  </a:txBody>
-                  <a:tcPr/>
-                </a:tc>
-                <a:tc>
-                  <a:txBody>
-                    <a:bodyPr/>
-                    <a:lstStyle/>
-                    <a:p>
-                      <a:r>
-                        <a:rPr lang="en-US" dirty="0" smtClean="0"/>
-                        <a:t>More plink!</a:t>
-                      </a:r>
-                    </a:p>
-                    <a:p>
-                      <a:r>
-                        <a:rPr lang="en-US" dirty="0" err="1" smtClean="0"/>
-                        <a:t>Hapmap</a:t>
-                      </a:r>
-                      <a:endParaRPr lang="en-US" dirty="0"/>
-                    </a:p>
-                  </a:txBody>
-                  <a:tcPr/>
-                </a:tc>
-              </a:tr>
-              <a:tr h="822960">
-                <a:tc>
-                  <a:txBody>
-                    <a:bodyPr/>
-                    <a:lstStyle/>
-                    <a:p>
-                      <a:r>
-                        <a:rPr lang="en-US" dirty="0" smtClean="0"/>
-                        <a:t>Heritability</a:t>
-                      </a:r>
-                      <a:endParaRPr lang="en-US" dirty="0"/>
-                    </a:p>
-                  </a:txBody>
-                  <a:tcPr/>
-                </a:tc>
-                <a:tc>
-                  <a:txBody>
-                    <a:bodyPr/>
-                    <a:lstStyle/>
-                    <a:p>
-                      <a:r>
-                        <a:rPr lang="en-US" dirty="0" smtClean="0"/>
-                        <a:t>GCTA</a:t>
-                      </a:r>
-                    </a:p>
-                    <a:p>
-                      <a:r>
-                        <a:rPr lang="en-US" dirty="0" smtClean="0"/>
-                        <a:t>Other measures of relatedness</a:t>
-                      </a:r>
-                      <a:endParaRPr lang="en-US" dirty="0"/>
-                    </a:p>
-                  </a:txBody>
-                  <a:tcPr/>
-                </a:tc>
-              </a:tr>
-              <a:tr h="822960">
-                <a:tc>
-                  <a:txBody>
-                    <a:bodyPr/>
-                    <a:lstStyle/>
-                    <a:p>
-                      <a:r>
-                        <a:rPr lang="en-US" dirty="0" smtClean="0"/>
-                        <a:t>Polygenic</a:t>
-                      </a:r>
-                      <a:r>
-                        <a:rPr lang="en-US" baseline="0" dirty="0" smtClean="0"/>
-                        <a:t> Scores</a:t>
-                      </a:r>
-                      <a:endParaRPr lang="en-US" dirty="0"/>
-                    </a:p>
-                  </a:txBody>
-                  <a:tcPr/>
-                </a:tc>
-                <a:tc>
-                  <a:txBody>
-                    <a:bodyPr/>
-                    <a:lstStyle/>
-                    <a:p>
-                      <a:r>
-                        <a:rPr lang="en-US" dirty="0" smtClean="0"/>
-                        <a:t>Constructing polygenic scores</a:t>
-                      </a:r>
-                    </a:p>
-                    <a:p>
-                      <a:r>
-                        <a:rPr lang="en-US" dirty="0" err="1" smtClean="0"/>
-                        <a:t>PRSice</a:t>
-                      </a:r>
-                      <a:endParaRPr lang="en-US" dirty="0"/>
-                    </a:p>
-                  </a:txBody>
-                  <a:tcPr/>
-                </a:tc>
-              </a:tr>
-              <a:tr h="822960">
-                <a:tc>
-                  <a:txBody>
-                    <a:bodyPr/>
-                    <a:lstStyle/>
-                    <a:p>
-                      <a:r>
-                        <a:rPr lang="en-US" dirty="0" smtClean="0"/>
-                        <a:t>Looking forward</a:t>
-                      </a:r>
-                      <a:endParaRPr lang="en-US" dirty="0"/>
-                    </a:p>
-                  </a:txBody>
-                  <a:tcPr/>
-                </a:tc>
-                <a:tc>
-                  <a:txBody>
-                    <a:bodyPr/>
-                    <a:lstStyle/>
-                    <a:p>
-                      <a:r>
-                        <a:rPr lang="en-US" dirty="0" smtClean="0"/>
-                        <a:t>Creating a</a:t>
-                      </a:r>
-                      <a:r>
-                        <a:rPr lang="en-US" baseline="0" dirty="0" smtClean="0"/>
-                        <a:t> research </a:t>
-                      </a:r>
-                      <a:r>
-                        <a:rPr lang="en-US" dirty="0" smtClean="0"/>
-                        <a:t>agenda</a:t>
-                      </a:r>
-                      <a:endParaRPr lang="en-US" dirty="0"/>
-                    </a:p>
-                  </a:txBody>
-                  <a:tcPr/>
-                </a:tc>
-              </a:tr>
-            </a:tbl>
-          </a:graphicData>
-        </a:graphic>
-      </p:graphicFrame>
+          </p:nvPr>
+        </p:nvSpPr>
+        <p:spPr/>
+        <p:txBody>
+          <a:bodyPr/>
+          <a:lstStyle/>
+          <a:p>
+            <a:endParaRPr lang="en-US"/>
+          </a:p>
+        </p:txBody>
+      </p:sp>
     </p:spTree>
-    <p:extLst>
-      <p:ext uri="{BB962C8B-B14F-4D97-AF65-F5344CB8AC3E}">
-        <p14:creationId xmlns:p14="http://schemas.microsoft.com/office/powerpoint/2010/main" val="2673414059"/>
-      </p:ext>
-    </p:extLst>
   </p:cSld>
   <p:clrMapOvr>
     <a:masterClrMapping/>
@@ -8477,58 +9221,43 @@
         </p:nvSpPr>
         <p:spPr/>
         <p:txBody>
+          <a:bodyPr>
+            <a:normAutofit fontScale="90000"/>
+          </a:bodyPr>
+          <a:lstStyle/>
+          <a:p>
+            <a:r>
+              <a:rPr lang="en-US" dirty="0" smtClean="0"/>
+              <a:t>Some other things you may want to know about</a:t>
+            </a:r>
+            <a:endParaRPr lang="en-US" dirty="0"/>
+          </a:p>
+        </p:txBody>
+      </p:sp>
+      <p:sp>
+        <p:nvSpPr>
+          <p:cNvPr id="3" name="Content Placeholder 2"/>
+          <p:cNvSpPr>
+            <a:spLocks noGrp="1"/>
+          </p:cNvSpPr>
+          <p:nvPr>
+            <p:ph idx="1"/>
+          </p:nvPr>
+        </p:nvSpPr>
+        <p:spPr/>
+        <p:txBody>
           <a:bodyPr/>
           <a:lstStyle/>
           <a:p>
             <a:r>
               <a:rPr lang="en-US" dirty="0" smtClean="0"/>
-              <a:t>Goals for workshop</a:t>
+              <a:t>Great deal of caution associated with all of the coming topics!</a:t>
             </a:r>
             <a:endParaRPr lang="en-US" dirty="0"/>
           </a:p>
         </p:txBody>
       </p:sp>
-      <p:sp>
-        <p:nvSpPr>
-          <p:cNvPr id="3" name="Content Placeholder 2"/>
-          <p:cNvSpPr>
-            <a:spLocks noGrp="1"/>
-          </p:cNvSpPr>
-          <p:nvPr>
-            <p:ph idx="1"/>
-          </p:nvPr>
-        </p:nvSpPr>
-        <p:spPr/>
-        <p:txBody>
-          <a:bodyPr/>
-          <a:lstStyle/>
-          <a:p>
-            <a:r>
-              <a:rPr lang="en-US" dirty="0" smtClean="0"/>
-              <a:t>Be able to read papers that utilize genetic data. </a:t>
-            </a:r>
-          </a:p>
-          <a:p>
-            <a:r>
-              <a:rPr lang="en-US" dirty="0" smtClean="0"/>
-              <a:t>Start developing research questions that might utilize genetic data. </a:t>
-            </a:r>
-          </a:p>
-          <a:p>
-            <a:r>
-              <a:rPr lang="en-US" dirty="0" smtClean="0"/>
-              <a:t>Begin to figure out how to work with genetic data.</a:t>
-            </a:r>
-            <a:endParaRPr lang="en-US" dirty="0"/>
-          </a:p>
-        </p:txBody>
-      </p:sp>
     </p:spTree>
-    <p:extLst>
-      <p:ext uri="{BB962C8B-B14F-4D97-AF65-F5344CB8AC3E}">
-        <p14:creationId xmlns:p14="http://schemas.microsoft.com/office/powerpoint/2010/main" val="3702370066"/>
-      </p:ext>
-    </p:extLst>
   </p:cSld>
   <p:clrMapOvr>
     <a:masterClrMapping/>
@@ -8570,148 +9299,6 @@
           <a:lstStyle/>
           <a:p>
             <a:r>
-              <a:rPr lang="en-US" dirty="0" smtClean="0"/>
-              <a:t>Cover what we learned</a:t>
-            </a:r>
-            <a:endParaRPr lang="en-US" dirty="0"/>
-          </a:p>
-        </p:txBody>
-      </p:sp>
-      <p:sp>
-        <p:nvSpPr>
-          <p:cNvPr id="3" name="Content Placeholder 2"/>
-          <p:cNvSpPr>
-            <a:spLocks noGrp="1"/>
-          </p:cNvSpPr>
-          <p:nvPr>
-            <p:ph idx="1"/>
-          </p:nvPr>
-        </p:nvSpPr>
-        <p:spPr/>
-        <p:txBody>
-          <a:bodyPr/>
-          <a:lstStyle/>
-          <a:p>
-            <a:endParaRPr lang="en-US"/>
-          </a:p>
-        </p:txBody>
-      </p:sp>
-    </p:spTree>
-  </p:cSld>
-  <p:clrMapOvr>
-    <a:masterClrMapping/>
-  </p:clrMapOvr>
-  <p:transition/>
-</p:sld>
-</file>
-
-<file path=ppt/slides/slide6.xml><?xml version="1.0" encoding="utf-8"?>
-<p:sld xmlns:a="http://schemas.openxmlformats.org/drawingml/2006/main" xmlns:r="http://schemas.openxmlformats.org/officeDocument/2006/relationships" xmlns:p="http://schemas.openxmlformats.org/presentationml/2006/main">
-  <p:cSld>
-    <p:spTree>
-      <p:nvGrpSpPr>
-        <p:cNvPr id="1" name=""/>
-        <p:cNvGrpSpPr/>
-        <p:nvPr/>
-      </p:nvGrpSpPr>
-      <p:grpSpPr>
-        <a:xfrm>
-          <a:off x="0" y="0"/>
-          <a:ext cx="0" cy="0"/>
-          <a:chOff x="0" y="0"/>
-          <a:chExt cx="0" cy="0"/>
-        </a:xfrm>
-      </p:grpSpPr>
-      <p:sp>
-        <p:nvSpPr>
-          <p:cNvPr id="2" name="Title 1"/>
-          <p:cNvSpPr>
-            <a:spLocks noGrp="1"/>
-          </p:cNvSpPr>
-          <p:nvPr>
-            <p:ph type="title"/>
-          </p:nvPr>
-        </p:nvSpPr>
-        <p:spPr/>
-        <p:txBody>
-          <a:bodyPr>
-            <a:normAutofit fontScale="90000"/>
-          </a:bodyPr>
-          <a:lstStyle/>
-          <a:p>
-            <a:r>
-              <a:rPr lang="en-US" dirty="0" smtClean="0"/>
-              <a:t>Some other things you may want to know about</a:t>
-            </a:r>
-            <a:endParaRPr lang="en-US" dirty="0"/>
-          </a:p>
-        </p:txBody>
-      </p:sp>
-      <p:sp>
-        <p:nvSpPr>
-          <p:cNvPr id="3" name="Content Placeholder 2"/>
-          <p:cNvSpPr>
-            <a:spLocks noGrp="1"/>
-          </p:cNvSpPr>
-          <p:nvPr>
-            <p:ph idx="1"/>
-          </p:nvPr>
-        </p:nvSpPr>
-        <p:spPr/>
-        <p:txBody>
-          <a:bodyPr/>
-          <a:lstStyle/>
-          <a:p>
-            <a:r>
-              <a:rPr lang="en-US" dirty="0" smtClean="0"/>
-              <a:t>Great deal of caution associated with all of the coming topics!</a:t>
-            </a:r>
-            <a:endParaRPr lang="en-US" dirty="0"/>
-          </a:p>
-        </p:txBody>
-      </p:sp>
-    </p:spTree>
-  </p:cSld>
-  <p:clrMapOvr>
-    <a:masterClrMapping/>
-  </p:clrMapOvr>
-  <p:transition/>
-</p:sld>
-</file>
-
-<file path=ppt/slides/slide7.xml><?xml version="1.0" encoding="utf-8"?>
-<p:sld xmlns:a="http://schemas.openxmlformats.org/drawingml/2006/main" xmlns:r="http://schemas.openxmlformats.org/officeDocument/2006/relationships" xmlns:p="http://schemas.openxmlformats.org/presentationml/2006/main">
-  <p:cSld>
-    <p:spTree>
-      <p:nvGrpSpPr>
-        <p:cNvPr id="1" name=""/>
-        <p:cNvGrpSpPr/>
-        <p:nvPr/>
-      </p:nvGrpSpPr>
-      <p:grpSpPr>
-        <a:xfrm>
-          <a:off x="0" y="0"/>
-          <a:ext cx="0" cy="0"/>
-          <a:chOff x="0" y="0"/>
-          <a:chExt cx="0" cy="0"/>
-        </a:xfrm>
-      </p:grpSpPr>
-      <p:sp>
-        <p:nvSpPr>
-          <p:cNvPr id="2" name="Title 1"/>
-          <p:cNvSpPr>
-            <a:spLocks noGrp="1"/>
-          </p:cNvSpPr>
-          <p:nvPr>
-            <p:ph type="title"/>
-          </p:nvPr>
-        </p:nvSpPr>
-        <p:spPr/>
-        <p:txBody>
-          <a:bodyPr/>
-          <a:lstStyle/>
-          <a:p>
-            <a:r>
               <a:rPr lang="en-US" dirty="0" err="1" smtClean="0"/>
               <a:t>Mendelian</a:t>
             </a:r>
@@ -8779,7 +9366,7 @@
 </p:sld>
 </file>
 
-<file path=ppt/slides/slide8.xml><?xml version="1.0" encoding="utf-8"?>
+<file path=ppt/slides/slide6.xml><?xml version="1.0" encoding="utf-8"?>
 <p:sld xmlns:a="http://schemas.openxmlformats.org/drawingml/2006/main" xmlns:r="http://schemas.openxmlformats.org/officeDocument/2006/relationships" xmlns:p="http://schemas.openxmlformats.org/presentationml/2006/main">
   <p:cSld>
     <p:spTree>
@@ -8993,6 +9580,147 @@
 </p:sld>
 </file>
 
+<file path=ppt/slides/slide7.xml><?xml version="1.0" encoding="utf-8"?>
+<p:sld xmlns:a="http://schemas.openxmlformats.org/drawingml/2006/main" xmlns:r="http://schemas.openxmlformats.org/officeDocument/2006/relationships" xmlns:p="http://schemas.openxmlformats.org/presentationml/2006/main">
+  <p:cSld>
+    <p:spTree>
+      <p:nvGrpSpPr>
+        <p:cNvPr id="1" name=""/>
+        <p:cNvGrpSpPr/>
+        <p:nvPr/>
+      </p:nvGrpSpPr>
+      <p:grpSpPr>
+        <a:xfrm>
+          <a:off x="0" y="0"/>
+          <a:ext cx="0" cy="0"/>
+          <a:chOff x="0" y="0"/>
+          <a:chExt cx="0" cy="0"/>
+        </a:xfrm>
+      </p:grpSpPr>
+      <p:pic>
+        <p:nvPicPr>
+          <p:cNvPr id="4" name="Picture 3"/>
+          <p:cNvPicPr>
+            <a:picLocks noChangeAspect="1"/>
+          </p:cNvPicPr>
+          <p:nvPr/>
+        </p:nvPicPr>
+        <p:blipFill>
+          <a:blip r:embed="rId2"/>
+          <a:stretch>
+            <a:fillRect/>
+          </a:stretch>
+        </p:blipFill>
+        <p:spPr>
+          <a:xfrm>
+            <a:off x="304800" y="533400"/>
+            <a:ext cx="8324850" cy="1524000"/>
+          </a:xfrm>
+          <a:prstGeom prst="rect">
+            <a:avLst/>
+          </a:prstGeom>
+        </p:spPr>
+      </p:pic>
+      <p:pic>
+        <p:nvPicPr>
+          <p:cNvPr id="5" name="Picture 4"/>
+          <p:cNvPicPr>
+            <a:picLocks noChangeAspect="1"/>
+          </p:cNvPicPr>
+          <p:nvPr/>
+        </p:nvPicPr>
+        <p:blipFill>
+          <a:blip r:embed="rId3"/>
+          <a:stretch>
+            <a:fillRect/>
+          </a:stretch>
+        </p:blipFill>
+        <p:spPr>
+          <a:xfrm>
+            <a:off x="1219200" y="3048000"/>
+            <a:ext cx="6686550" cy="2695575"/>
+          </a:xfrm>
+          <a:prstGeom prst="rect">
+            <a:avLst/>
+          </a:prstGeom>
+        </p:spPr>
+      </p:pic>
+    </p:spTree>
+    <p:extLst>
+      <p:ext uri="{BB962C8B-B14F-4D97-AF65-F5344CB8AC3E}">
+        <p14:creationId xmlns:p14="http://schemas.microsoft.com/office/powerpoint/2010/main" val="147369934"/>
+      </p:ext>
+    </p:extLst>
+  </p:cSld>
+  <p:clrMapOvr>
+    <a:masterClrMapping/>
+  </p:clrMapOvr>
+  <p:transition/>
+  <p:timing>
+    <p:tnLst>
+      <p:par>
+        <p:cTn id="1" dur="indefinite" restart="never" nodeType="tmRoot"/>
+      </p:par>
+    </p:tnLst>
+  </p:timing>
+</p:sld>
+</file>
+
+<file path=ppt/slides/slide8.xml><?xml version="1.0" encoding="utf-8"?>
+<p:sld xmlns:a="http://schemas.openxmlformats.org/drawingml/2006/main" xmlns:r="http://schemas.openxmlformats.org/officeDocument/2006/relationships" xmlns:p="http://schemas.openxmlformats.org/presentationml/2006/main">
+  <p:cSld>
+    <p:spTree>
+      <p:nvGrpSpPr>
+        <p:cNvPr id="1" name=""/>
+        <p:cNvGrpSpPr/>
+        <p:nvPr/>
+      </p:nvGrpSpPr>
+      <p:grpSpPr>
+        <a:xfrm>
+          <a:off x="0" y="0"/>
+          <a:ext cx="0" cy="0"/>
+          <a:chOff x="0" y="0"/>
+          <a:chExt cx="0" cy="0"/>
+        </a:xfrm>
+      </p:grpSpPr>
+      <p:pic>
+        <p:nvPicPr>
+          <p:cNvPr id="2" name="Picture 1"/>
+          <p:cNvPicPr>
+            <a:picLocks noChangeAspect="1"/>
+          </p:cNvPicPr>
+          <p:nvPr/>
+        </p:nvPicPr>
+        <p:blipFill>
+          <a:blip r:embed="rId2"/>
+          <a:stretch>
+            <a:fillRect/>
+          </a:stretch>
+        </p:blipFill>
+        <p:spPr>
+          <a:xfrm>
+            <a:off x="0" y="1676400"/>
+            <a:ext cx="9125620" cy="4033838"/>
+          </a:xfrm>
+          <a:prstGeom prst="rect">
+            <a:avLst/>
+          </a:prstGeom>
+        </p:spPr>
+      </p:pic>
+    </p:spTree>
+    <p:extLst>
+      <p:ext uri="{BB962C8B-B14F-4D97-AF65-F5344CB8AC3E}">
+        <p14:creationId xmlns:p14="http://schemas.microsoft.com/office/powerpoint/2010/main" val="4129021352"/>
+      </p:ext>
+    </p:extLst>
+  </p:cSld>
+  <p:clrMapOvr>
+    <a:masterClrMapping/>
+  </p:clrMapOvr>
+  <p:transition/>
+</p:sld>
+</file>
+
 <file path=ppt/slides/slide9.xml><?xml version="1.0" encoding="utf-8"?>
 <p:sld xmlns:a="http://schemas.openxmlformats.org/drawingml/2006/main" xmlns:r="http://schemas.openxmlformats.org/officeDocument/2006/relationships" xmlns:p="http://schemas.openxmlformats.org/presentationml/2006/main">
   <p:cSld>
@@ -9010,52 +9738,34 @@
           <a:chExt cx="0" cy="0"/>
         </a:xfrm>
       </p:grpSpPr>
-      <p:sp>
-        <p:nvSpPr>
-          <p:cNvPr id="2" name="Title 1"/>
-          <p:cNvSpPr>
-            <a:spLocks noGrp="1"/>
-          </p:cNvSpPr>
-          <p:nvPr>
-            <p:ph type="title"/>
-          </p:nvPr>
-        </p:nvSpPr>
-        <p:spPr/>
-        <p:txBody>
-          <a:bodyPr/>
-          <a:lstStyle/>
-          <a:p>
-            <a:r>
-              <a:rPr lang="en-US" dirty="0" smtClean="0"/>
-              <a:t>MR examples</a:t>
-            </a:r>
-            <a:endParaRPr lang="en-US" dirty="0"/>
-          </a:p>
-        </p:txBody>
-      </p:sp>
-      <p:sp>
-        <p:nvSpPr>
-          <p:cNvPr id="3" name="Content Placeholder 2"/>
-          <p:cNvSpPr>
-            <a:spLocks noGrp="1"/>
-          </p:cNvSpPr>
-          <p:nvPr>
-            <p:ph idx="1"/>
-          </p:nvPr>
-        </p:nvSpPr>
-        <p:spPr/>
-        <p:txBody>
-          <a:bodyPr/>
-          <a:lstStyle/>
-          <a:p>
-            <a:endParaRPr lang="en-US"/>
-          </a:p>
-        </p:txBody>
-      </p:sp>
+      <p:pic>
+        <p:nvPicPr>
+          <p:cNvPr id="2" name="Picture 1"/>
+          <p:cNvPicPr>
+            <a:picLocks noChangeAspect="1"/>
+          </p:cNvPicPr>
+          <p:nvPr/>
+        </p:nvPicPr>
+        <p:blipFill>
+          <a:blip r:embed="rId2"/>
+          <a:stretch>
+            <a:fillRect/>
+          </a:stretch>
+        </p:blipFill>
+        <p:spPr>
+          <a:xfrm>
+            <a:off x="1662112" y="428625"/>
+            <a:ext cx="5819775" cy="6000750"/>
+          </a:xfrm>
+          <a:prstGeom prst="rect">
+            <a:avLst/>
+          </a:prstGeom>
+        </p:spPr>
+      </p:pic>
     </p:spTree>
     <p:extLst>
       <p:ext uri="{BB962C8B-B14F-4D97-AF65-F5344CB8AC3E}">
-        <p14:creationId xmlns:p14="http://schemas.microsoft.com/office/powerpoint/2010/main" val="147369934"/>
+        <p14:creationId xmlns:p14="http://schemas.microsoft.com/office/powerpoint/2010/main" val="2613790070"/>
       </p:ext>
     </p:extLst>
   </p:cSld>
